--- a/ULI101-2.1.pptx
+++ b/ULI101-2.1.pptx
@@ -129,135 +129,13 @@
 <file path=ppt/revisionInfo.xml><?xml version="1.0" encoding="utf-8"?>
 <p1510:revInfo xmlns:a="http://schemas.openxmlformats.org/drawingml/2006/main" xmlns:r="http://schemas.openxmlformats.org/officeDocument/2006/relationships" xmlns:p1510="http://schemas.microsoft.com/office/powerpoint/2015/10/main">
   <p1510:revLst>
-    <p1510:client id="{EA524C57-204F-1045-B10D-C24E3A4DAF80}" v="81" dt="2022-01-09T18:49:03.705"/>
+    <p1510:client id="{7D59EC0E-2881-C847-976B-9D9F31DB7CBA}" v="59" dt="2022-09-10T18:37:29.648"/>
   </p1510:revLst>
 </p1510:revInfo>
 </file>
 
 <file path=ppt/changesInfos/changesInfo1.xml><?xml version="1.0" encoding="utf-8"?>
 <pc:chgInfo xmlns:a="http://schemas.openxmlformats.org/drawingml/2006/main" xmlns:r="http://schemas.openxmlformats.org/officeDocument/2006/relationships" xmlns:ac="http://schemas.microsoft.com/office/drawing/2013/main/command" xmlns:pc="http://schemas.microsoft.com/office/powerpoint/2013/main/command">
-  <pc:docChgLst>
-    <pc:chgData name="Chris Johnson" userId="ff589efc-7bdb-4c2a-ab65-6fce12576f74" providerId="ADAL" clId="{9F8FDC10-AD92-469E-90AA-5A471EDA6987}"/>
-    <pc:docChg chg="delSld modSld">
-      <pc:chgData name="Chris Johnson" userId="ff589efc-7bdb-4c2a-ab65-6fce12576f74" providerId="ADAL" clId="{9F8FDC10-AD92-469E-90AA-5A471EDA6987}" dt="2021-09-15T19:47:55.912" v="1" actId="20577"/>
-      <pc:docMkLst>
-        <pc:docMk/>
-      </pc:docMkLst>
-      <pc:sldChg chg="del">
-        <pc:chgData name="Chris Johnson" userId="ff589efc-7bdb-4c2a-ab65-6fce12576f74" providerId="ADAL" clId="{9F8FDC10-AD92-469E-90AA-5A471EDA6987}" dt="2021-09-15T19:47:26.895" v="0" actId="47"/>
-        <pc:sldMkLst>
-          <pc:docMk/>
-          <pc:sldMk cId="3343982343" sldId="256"/>
-        </pc:sldMkLst>
-      </pc:sldChg>
-      <pc:sldChg chg="del">
-        <pc:chgData name="Chris Johnson" userId="ff589efc-7bdb-4c2a-ab65-6fce12576f74" providerId="ADAL" clId="{9F8FDC10-AD92-469E-90AA-5A471EDA6987}" dt="2021-09-15T19:47:26.895" v="0" actId="47"/>
-        <pc:sldMkLst>
-          <pc:docMk/>
-          <pc:sldMk cId="896036711" sldId="261"/>
-        </pc:sldMkLst>
-      </pc:sldChg>
-      <pc:sldChg chg="del">
-        <pc:chgData name="Chris Johnson" userId="ff589efc-7bdb-4c2a-ab65-6fce12576f74" providerId="ADAL" clId="{9F8FDC10-AD92-469E-90AA-5A471EDA6987}" dt="2021-09-15T19:47:26.895" v="0" actId="47"/>
-        <pc:sldMkLst>
-          <pc:docMk/>
-          <pc:sldMk cId="1664135072" sldId="294"/>
-        </pc:sldMkLst>
-      </pc:sldChg>
-      <pc:sldChg chg="del">
-        <pc:chgData name="Chris Johnson" userId="ff589efc-7bdb-4c2a-ab65-6fce12576f74" providerId="ADAL" clId="{9F8FDC10-AD92-469E-90AA-5A471EDA6987}" dt="2021-09-15T19:47:26.895" v="0" actId="47"/>
-        <pc:sldMkLst>
-          <pc:docMk/>
-          <pc:sldMk cId="3610047828" sldId="298"/>
-        </pc:sldMkLst>
-      </pc:sldChg>
-      <pc:sldChg chg="del">
-        <pc:chgData name="Chris Johnson" userId="ff589efc-7bdb-4c2a-ab65-6fce12576f74" providerId="ADAL" clId="{9F8FDC10-AD92-469E-90AA-5A471EDA6987}" dt="2021-09-15T19:47:26.895" v="0" actId="47"/>
-        <pc:sldMkLst>
-          <pc:docMk/>
-          <pc:sldMk cId="198616617" sldId="299"/>
-        </pc:sldMkLst>
-      </pc:sldChg>
-      <pc:sldChg chg="del">
-        <pc:chgData name="Chris Johnson" userId="ff589efc-7bdb-4c2a-ab65-6fce12576f74" providerId="ADAL" clId="{9F8FDC10-AD92-469E-90AA-5A471EDA6987}" dt="2021-09-15T19:47:26.895" v="0" actId="47"/>
-        <pc:sldMkLst>
-          <pc:docMk/>
-          <pc:sldMk cId="1939109305" sldId="302"/>
-        </pc:sldMkLst>
-      </pc:sldChg>
-      <pc:sldChg chg="modSp">
-        <pc:chgData name="Chris Johnson" userId="ff589efc-7bdb-4c2a-ab65-6fce12576f74" providerId="ADAL" clId="{9F8FDC10-AD92-469E-90AA-5A471EDA6987}" dt="2021-09-15T19:47:55.912" v="1" actId="20577"/>
-        <pc:sldMkLst>
-          <pc:docMk/>
-          <pc:sldMk cId="2052958121" sldId="321"/>
-        </pc:sldMkLst>
-        <pc:spChg chg="mod">
-          <ac:chgData name="Chris Johnson" userId="ff589efc-7bdb-4c2a-ab65-6fce12576f74" providerId="ADAL" clId="{9F8FDC10-AD92-469E-90AA-5A471EDA6987}" dt="2021-09-15T19:47:55.912" v="1" actId="20577"/>
-          <ac:spMkLst>
-            <pc:docMk/>
-            <pc:sldMk cId="2052958121" sldId="321"/>
-            <ac:spMk id="3" creationId="{99DF4C7A-3854-7B4B-8D4F-4AD959A565DC}"/>
-          </ac:spMkLst>
-        </pc:spChg>
-      </pc:sldChg>
-      <pc:sldChg chg="del">
-        <pc:chgData name="Chris Johnson" userId="ff589efc-7bdb-4c2a-ab65-6fce12576f74" providerId="ADAL" clId="{9F8FDC10-AD92-469E-90AA-5A471EDA6987}" dt="2021-09-15T19:47:26.895" v="0" actId="47"/>
-        <pc:sldMkLst>
-          <pc:docMk/>
-          <pc:sldMk cId="3238403926" sldId="322"/>
-        </pc:sldMkLst>
-      </pc:sldChg>
-      <pc:sldChg chg="del">
-        <pc:chgData name="Chris Johnson" userId="ff589efc-7bdb-4c2a-ab65-6fce12576f74" providerId="ADAL" clId="{9F8FDC10-AD92-469E-90AA-5A471EDA6987}" dt="2021-09-15T19:47:26.895" v="0" actId="47"/>
-        <pc:sldMkLst>
-          <pc:docMk/>
-          <pc:sldMk cId="2075726154" sldId="323"/>
-        </pc:sldMkLst>
-      </pc:sldChg>
-      <pc:sldChg chg="del">
-        <pc:chgData name="Chris Johnson" userId="ff589efc-7bdb-4c2a-ab65-6fce12576f74" providerId="ADAL" clId="{9F8FDC10-AD92-469E-90AA-5A471EDA6987}" dt="2021-09-15T19:47:26.895" v="0" actId="47"/>
-        <pc:sldMkLst>
-          <pc:docMk/>
-          <pc:sldMk cId="4094791069" sldId="324"/>
-        </pc:sldMkLst>
-      </pc:sldChg>
-      <pc:sldChg chg="del">
-        <pc:chgData name="Chris Johnson" userId="ff589efc-7bdb-4c2a-ab65-6fce12576f74" providerId="ADAL" clId="{9F8FDC10-AD92-469E-90AA-5A471EDA6987}" dt="2021-09-15T19:47:26.895" v="0" actId="47"/>
-        <pc:sldMkLst>
-          <pc:docMk/>
-          <pc:sldMk cId="715932956" sldId="325"/>
-        </pc:sldMkLst>
-      </pc:sldChg>
-      <pc:sldChg chg="del">
-        <pc:chgData name="Chris Johnson" userId="ff589efc-7bdb-4c2a-ab65-6fce12576f74" providerId="ADAL" clId="{9F8FDC10-AD92-469E-90AA-5A471EDA6987}" dt="2021-09-15T19:47:26.895" v="0" actId="47"/>
-        <pc:sldMkLst>
-          <pc:docMk/>
-          <pc:sldMk cId="1410863731" sldId="327"/>
-        </pc:sldMkLst>
-      </pc:sldChg>
-      <pc:sldChg chg="del">
-        <pc:chgData name="Chris Johnson" userId="ff589efc-7bdb-4c2a-ab65-6fce12576f74" providerId="ADAL" clId="{9F8FDC10-AD92-469E-90AA-5A471EDA6987}" dt="2021-09-15T19:47:26.895" v="0" actId="47"/>
-        <pc:sldMkLst>
-          <pc:docMk/>
-          <pc:sldMk cId="778720162" sldId="328"/>
-        </pc:sldMkLst>
-      </pc:sldChg>
-      <pc:sldChg chg="del">
-        <pc:chgData name="Chris Johnson" userId="ff589efc-7bdb-4c2a-ab65-6fce12576f74" providerId="ADAL" clId="{9F8FDC10-AD92-469E-90AA-5A471EDA6987}" dt="2021-09-15T19:47:26.895" v="0" actId="47"/>
-        <pc:sldMkLst>
-          <pc:docMk/>
-          <pc:sldMk cId="123030364" sldId="330"/>
-        </pc:sldMkLst>
-      </pc:sldChg>
-      <pc:sldChg chg="del">
-        <pc:chgData name="Chris Johnson" userId="ff589efc-7bdb-4c2a-ab65-6fce12576f74" providerId="ADAL" clId="{9F8FDC10-AD92-469E-90AA-5A471EDA6987}" dt="2021-09-15T19:47:26.895" v="0" actId="47"/>
-        <pc:sldMkLst>
-          <pc:docMk/>
-          <pc:sldMk cId="2986789715" sldId="331"/>
-        </pc:sldMkLst>
-      </pc:sldChg>
-    </pc:docChg>
-  </pc:docChgLst>
   <pc:docChgLst>
     <pc:chgData name="Chris Johnson" userId="ff589efc-7bdb-4c2a-ab65-6fce12576f74" providerId="ADAL" clId="{EA524C57-204F-1045-B10D-C24E3A4DAF80}"/>
     <pc:docChg chg="custSel modSld">
@@ -456,6 +334,275 @@
       </pc:sldChg>
     </pc:docChg>
   </pc:docChgLst>
+  <pc:docChgLst>
+    <pc:chgData name="Chris Johnson" userId="ff589efc-7bdb-4c2a-ab65-6fce12576f74" providerId="ADAL" clId="{7D59EC0E-2881-C847-976B-9D9F31DB7CBA}"/>
+    <pc:docChg chg="custSel modSld">
+      <pc:chgData name="Chris Johnson" userId="ff589efc-7bdb-4c2a-ab65-6fce12576f74" providerId="ADAL" clId="{7D59EC0E-2881-C847-976B-9D9F31DB7CBA}" dt="2022-09-10T18:37:29.648" v="69" actId="20577"/>
+      <pc:docMkLst>
+        <pc:docMk/>
+      </pc:docMkLst>
+      <pc:sldChg chg="modSp mod">
+        <pc:chgData name="Chris Johnson" userId="ff589efc-7bdb-4c2a-ab65-6fce12576f74" providerId="ADAL" clId="{7D59EC0E-2881-C847-976B-9D9F31DB7CBA}" dt="2022-09-10T18:37:29.648" v="69" actId="20577"/>
+        <pc:sldMkLst>
+          <pc:docMk/>
+          <pc:sldMk cId="2517831130" sldId="260"/>
+        </pc:sldMkLst>
+        <pc:spChg chg="mod">
+          <ac:chgData name="Chris Johnson" userId="ff589efc-7bdb-4c2a-ab65-6fce12576f74" providerId="ADAL" clId="{7D59EC0E-2881-C847-976B-9D9F31DB7CBA}" dt="2022-09-10T18:37:29.648" v="69" actId="20577"/>
+          <ac:spMkLst>
+            <pc:docMk/>
+            <pc:sldMk cId="2517831130" sldId="260"/>
+            <ac:spMk id="3" creationId="{99DF4C7A-3854-7B4B-8D4F-4AD959A565DC}"/>
+          </ac:spMkLst>
+        </pc:spChg>
+        <pc:picChg chg="mod">
+          <ac:chgData name="Chris Johnson" userId="ff589efc-7bdb-4c2a-ab65-6fce12576f74" providerId="ADAL" clId="{7D59EC0E-2881-C847-976B-9D9F31DB7CBA}" dt="2022-09-10T18:22:46.425" v="12" actId="1076"/>
+          <ac:picMkLst>
+            <pc:docMk/>
+            <pc:sldMk cId="2517831130" sldId="260"/>
+            <ac:picMk id="7" creationId="{85BEB6AA-B46A-6E4D-9F3A-09123BD9D6A1}"/>
+          </ac:picMkLst>
+        </pc:picChg>
+        <pc:picChg chg="mod">
+          <ac:chgData name="Chris Johnson" userId="ff589efc-7bdb-4c2a-ab65-6fce12576f74" providerId="ADAL" clId="{7D59EC0E-2881-C847-976B-9D9F31DB7CBA}" dt="2022-09-10T18:22:48.447" v="13" actId="1076"/>
+          <ac:picMkLst>
+            <pc:docMk/>
+            <pc:sldMk cId="2517831130" sldId="260"/>
+            <ac:picMk id="14" creationId="{593823C0-B625-364F-B46D-D0E56691F85E}"/>
+          </ac:picMkLst>
+        </pc:picChg>
+      </pc:sldChg>
+      <pc:sldChg chg="addSp delSp modSp mod">
+        <pc:chgData name="Chris Johnson" userId="ff589efc-7bdb-4c2a-ab65-6fce12576f74" providerId="ADAL" clId="{7D59EC0E-2881-C847-976B-9D9F31DB7CBA}" dt="2022-09-10T18:23:42.796" v="29" actId="767"/>
+        <pc:sldMkLst>
+          <pc:docMk/>
+          <pc:sldMk cId="1699757199" sldId="276"/>
+        </pc:sldMkLst>
+        <pc:spChg chg="mod">
+          <ac:chgData name="Chris Johnson" userId="ff589efc-7bdb-4c2a-ab65-6fce12576f74" providerId="ADAL" clId="{7D59EC0E-2881-C847-976B-9D9F31DB7CBA}" dt="2022-09-10T18:23:24.416" v="23" actId="14100"/>
+          <ac:spMkLst>
+            <pc:docMk/>
+            <pc:sldMk cId="1699757199" sldId="276"/>
+            <ac:spMk id="3" creationId="{99DF4C7A-3854-7B4B-8D4F-4AD959A565DC}"/>
+          </ac:spMkLst>
+        </pc:spChg>
+        <pc:spChg chg="add mod">
+          <ac:chgData name="Chris Johnson" userId="ff589efc-7bdb-4c2a-ab65-6fce12576f74" providerId="ADAL" clId="{7D59EC0E-2881-C847-976B-9D9F31DB7CBA}" dt="2022-09-10T18:23:35.027" v="27" actId="1076"/>
+          <ac:spMkLst>
+            <pc:docMk/>
+            <pc:sldMk cId="1699757199" sldId="276"/>
+            <ac:spMk id="4" creationId="{395B6E56-F7B9-B4B5-3253-FB16B61E150C}"/>
+          </ac:spMkLst>
+        </pc:spChg>
+        <pc:spChg chg="add del mod">
+          <ac:chgData name="Chris Johnson" userId="ff589efc-7bdb-4c2a-ab65-6fce12576f74" providerId="ADAL" clId="{7D59EC0E-2881-C847-976B-9D9F31DB7CBA}" dt="2022-09-10T18:23:42.796" v="29" actId="767"/>
+          <ac:spMkLst>
+            <pc:docMk/>
+            <pc:sldMk cId="1699757199" sldId="276"/>
+            <ac:spMk id="7" creationId="{2CE6212F-A415-6F74-7278-30D3F0E3DDF5}"/>
+          </ac:spMkLst>
+        </pc:spChg>
+        <pc:picChg chg="mod">
+          <ac:chgData name="Chris Johnson" userId="ff589efc-7bdb-4c2a-ab65-6fce12576f74" providerId="ADAL" clId="{7D59EC0E-2881-C847-976B-9D9F31DB7CBA}" dt="2022-09-10T18:23:04.095" v="20" actId="1076"/>
+          <ac:picMkLst>
+            <pc:docMk/>
+            <pc:sldMk cId="1699757199" sldId="276"/>
+            <ac:picMk id="6" creationId="{19198C9B-FE8C-3944-B664-E9E39BABE2C7}"/>
+          </ac:picMkLst>
+        </pc:picChg>
+      </pc:sldChg>
+      <pc:sldChg chg="modSp">
+        <pc:chgData name="Chris Johnson" userId="ff589efc-7bdb-4c2a-ab65-6fce12576f74" providerId="ADAL" clId="{7D59EC0E-2881-C847-976B-9D9F31DB7CBA}" dt="2022-09-10T18:24:06.457" v="40" actId="6549"/>
+        <pc:sldMkLst>
+          <pc:docMk/>
+          <pc:sldMk cId="64404423" sldId="288"/>
+        </pc:sldMkLst>
+        <pc:spChg chg="mod">
+          <ac:chgData name="Chris Johnson" userId="ff589efc-7bdb-4c2a-ab65-6fce12576f74" providerId="ADAL" clId="{7D59EC0E-2881-C847-976B-9D9F31DB7CBA}" dt="2022-09-10T18:24:06.457" v="40" actId="6549"/>
+          <ac:spMkLst>
+            <pc:docMk/>
+            <pc:sldMk cId="64404423" sldId="288"/>
+            <ac:spMk id="3" creationId="{99DF4C7A-3854-7B4B-8D4F-4AD959A565DC}"/>
+          </ac:spMkLst>
+        </pc:spChg>
+      </pc:sldChg>
+      <pc:sldChg chg="modSp mod">
+        <pc:chgData name="Chris Johnson" userId="ff589efc-7bdb-4c2a-ab65-6fce12576f74" providerId="ADAL" clId="{7D59EC0E-2881-C847-976B-9D9F31DB7CBA}" dt="2022-09-10T18:25:05.180" v="54" actId="20577"/>
+        <pc:sldMkLst>
+          <pc:docMk/>
+          <pc:sldMk cId="1986477174" sldId="301"/>
+        </pc:sldMkLst>
+        <pc:spChg chg="mod">
+          <ac:chgData name="Chris Johnson" userId="ff589efc-7bdb-4c2a-ab65-6fce12576f74" providerId="ADAL" clId="{7D59EC0E-2881-C847-976B-9D9F31DB7CBA}" dt="2022-09-10T18:25:05.180" v="54" actId="20577"/>
+          <ac:spMkLst>
+            <pc:docMk/>
+            <pc:sldMk cId="1986477174" sldId="301"/>
+            <ac:spMk id="2" creationId="{1AF487AF-3253-5F42-B599-57667778EABD}"/>
+          </ac:spMkLst>
+        </pc:spChg>
+      </pc:sldChg>
+      <pc:sldChg chg="modSp modAnim">
+        <pc:chgData name="Chris Johnson" userId="ff589efc-7bdb-4c2a-ab65-6fce12576f74" providerId="ADAL" clId="{7D59EC0E-2881-C847-976B-9D9F31DB7CBA}" dt="2022-09-10T18:24:40.877" v="53" actId="6549"/>
+        <pc:sldMkLst>
+          <pc:docMk/>
+          <pc:sldMk cId="2052958121" sldId="321"/>
+        </pc:sldMkLst>
+        <pc:spChg chg="mod">
+          <ac:chgData name="Chris Johnson" userId="ff589efc-7bdb-4c2a-ab65-6fce12576f74" providerId="ADAL" clId="{7D59EC0E-2881-C847-976B-9D9F31DB7CBA}" dt="2022-09-10T18:24:40.877" v="53" actId="6549"/>
+          <ac:spMkLst>
+            <pc:docMk/>
+            <pc:sldMk cId="2052958121" sldId="321"/>
+            <ac:spMk id="3" creationId="{99DF4C7A-3854-7B4B-8D4F-4AD959A565DC}"/>
+          </ac:spMkLst>
+        </pc:spChg>
+      </pc:sldChg>
+      <pc:sldChg chg="modSp mod">
+        <pc:chgData name="Chris Johnson" userId="ff589efc-7bdb-4c2a-ab65-6fce12576f74" providerId="ADAL" clId="{7D59EC0E-2881-C847-976B-9D9F31DB7CBA}" dt="2022-09-10T18:22:39.956" v="11" actId="1076"/>
+        <pc:sldMkLst>
+          <pc:docMk/>
+          <pc:sldMk cId="2730456002" sldId="332"/>
+        </pc:sldMkLst>
+        <pc:spChg chg="mod">
+          <ac:chgData name="Chris Johnson" userId="ff589efc-7bdb-4c2a-ab65-6fce12576f74" providerId="ADAL" clId="{7D59EC0E-2881-C847-976B-9D9F31DB7CBA}" dt="2022-09-10T18:22:36.158" v="10" actId="6549"/>
+          <ac:spMkLst>
+            <pc:docMk/>
+            <pc:sldMk cId="2730456002" sldId="332"/>
+            <ac:spMk id="3" creationId="{99DF4C7A-3854-7B4B-8D4F-4AD959A565DC}"/>
+          </ac:spMkLst>
+        </pc:spChg>
+        <pc:picChg chg="mod">
+          <ac:chgData name="Chris Johnson" userId="ff589efc-7bdb-4c2a-ab65-6fce12576f74" providerId="ADAL" clId="{7D59EC0E-2881-C847-976B-9D9F31DB7CBA}" dt="2022-09-10T18:22:39.956" v="11" actId="1076"/>
+          <ac:picMkLst>
+            <pc:docMk/>
+            <pc:sldMk cId="2730456002" sldId="332"/>
+            <ac:picMk id="10" creationId="{EAB98CCA-A567-7A47-9057-CA5CEF8BC07D}"/>
+          </ac:picMkLst>
+        </pc:picChg>
+      </pc:sldChg>
+    </pc:docChg>
+  </pc:docChgLst>
+  <pc:docChgLst>
+    <pc:chgData name="Chris Johnson" userId="ff589efc-7bdb-4c2a-ab65-6fce12576f74" providerId="ADAL" clId="{9F8FDC10-AD92-469E-90AA-5A471EDA6987}"/>
+    <pc:docChg chg="delSld modSld">
+      <pc:chgData name="Chris Johnson" userId="ff589efc-7bdb-4c2a-ab65-6fce12576f74" providerId="ADAL" clId="{9F8FDC10-AD92-469E-90AA-5A471EDA6987}" dt="2021-09-15T19:47:55.912" v="1" actId="20577"/>
+      <pc:docMkLst>
+        <pc:docMk/>
+      </pc:docMkLst>
+      <pc:sldChg chg="del">
+        <pc:chgData name="Chris Johnson" userId="ff589efc-7bdb-4c2a-ab65-6fce12576f74" providerId="ADAL" clId="{9F8FDC10-AD92-469E-90AA-5A471EDA6987}" dt="2021-09-15T19:47:26.895" v="0" actId="47"/>
+        <pc:sldMkLst>
+          <pc:docMk/>
+          <pc:sldMk cId="3343982343" sldId="256"/>
+        </pc:sldMkLst>
+      </pc:sldChg>
+      <pc:sldChg chg="del">
+        <pc:chgData name="Chris Johnson" userId="ff589efc-7bdb-4c2a-ab65-6fce12576f74" providerId="ADAL" clId="{9F8FDC10-AD92-469E-90AA-5A471EDA6987}" dt="2021-09-15T19:47:26.895" v="0" actId="47"/>
+        <pc:sldMkLst>
+          <pc:docMk/>
+          <pc:sldMk cId="896036711" sldId="261"/>
+        </pc:sldMkLst>
+      </pc:sldChg>
+      <pc:sldChg chg="del">
+        <pc:chgData name="Chris Johnson" userId="ff589efc-7bdb-4c2a-ab65-6fce12576f74" providerId="ADAL" clId="{9F8FDC10-AD92-469E-90AA-5A471EDA6987}" dt="2021-09-15T19:47:26.895" v="0" actId="47"/>
+        <pc:sldMkLst>
+          <pc:docMk/>
+          <pc:sldMk cId="1664135072" sldId="294"/>
+        </pc:sldMkLst>
+      </pc:sldChg>
+      <pc:sldChg chg="del">
+        <pc:chgData name="Chris Johnson" userId="ff589efc-7bdb-4c2a-ab65-6fce12576f74" providerId="ADAL" clId="{9F8FDC10-AD92-469E-90AA-5A471EDA6987}" dt="2021-09-15T19:47:26.895" v="0" actId="47"/>
+        <pc:sldMkLst>
+          <pc:docMk/>
+          <pc:sldMk cId="3610047828" sldId="298"/>
+        </pc:sldMkLst>
+      </pc:sldChg>
+      <pc:sldChg chg="del">
+        <pc:chgData name="Chris Johnson" userId="ff589efc-7bdb-4c2a-ab65-6fce12576f74" providerId="ADAL" clId="{9F8FDC10-AD92-469E-90AA-5A471EDA6987}" dt="2021-09-15T19:47:26.895" v="0" actId="47"/>
+        <pc:sldMkLst>
+          <pc:docMk/>
+          <pc:sldMk cId="198616617" sldId="299"/>
+        </pc:sldMkLst>
+      </pc:sldChg>
+      <pc:sldChg chg="del">
+        <pc:chgData name="Chris Johnson" userId="ff589efc-7bdb-4c2a-ab65-6fce12576f74" providerId="ADAL" clId="{9F8FDC10-AD92-469E-90AA-5A471EDA6987}" dt="2021-09-15T19:47:26.895" v="0" actId="47"/>
+        <pc:sldMkLst>
+          <pc:docMk/>
+          <pc:sldMk cId="1939109305" sldId="302"/>
+        </pc:sldMkLst>
+      </pc:sldChg>
+      <pc:sldChg chg="modSp">
+        <pc:chgData name="Chris Johnson" userId="ff589efc-7bdb-4c2a-ab65-6fce12576f74" providerId="ADAL" clId="{9F8FDC10-AD92-469E-90AA-5A471EDA6987}" dt="2021-09-15T19:47:55.912" v="1" actId="20577"/>
+        <pc:sldMkLst>
+          <pc:docMk/>
+          <pc:sldMk cId="2052958121" sldId="321"/>
+        </pc:sldMkLst>
+        <pc:spChg chg="mod">
+          <ac:chgData name="Chris Johnson" userId="ff589efc-7bdb-4c2a-ab65-6fce12576f74" providerId="ADAL" clId="{9F8FDC10-AD92-469E-90AA-5A471EDA6987}" dt="2021-09-15T19:47:55.912" v="1" actId="20577"/>
+          <ac:spMkLst>
+            <pc:docMk/>
+            <pc:sldMk cId="2052958121" sldId="321"/>
+            <ac:spMk id="3" creationId="{99DF4C7A-3854-7B4B-8D4F-4AD959A565DC}"/>
+          </ac:spMkLst>
+        </pc:spChg>
+      </pc:sldChg>
+      <pc:sldChg chg="del">
+        <pc:chgData name="Chris Johnson" userId="ff589efc-7bdb-4c2a-ab65-6fce12576f74" providerId="ADAL" clId="{9F8FDC10-AD92-469E-90AA-5A471EDA6987}" dt="2021-09-15T19:47:26.895" v="0" actId="47"/>
+        <pc:sldMkLst>
+          <pc:docMk/>
+          <pc:sldMk cId="3238403926" sldId="322"/>
+        </pc:sldMkLst>
+      </pc:sldChg>
+      <pc:sldChg chg="del">
+        <pc:chgData name="Chris Johnson" userId="ff589efc-7bdb-4c2a-ab65-6fce12576f74" providerId="ADAL" clId="{9F8FDC10-AD92-469E-90AA-5A471EDA6987}" dt="2021-09-15T19:47:26.895" v="0" actId="47"/>
+        <pc:sldMkLst>
+          <pc:docMk/>
+          <pc:sldMk cId="2075726154" sldId="323"/>
+        </pc:sldMkLst>
+      </pc:sldChg>
+      <pc:sldChg chg="del">
+        <pc:chgData name="Chris Johnson" userId="ff589efc-7bdb-4c2a-ab65-6fce12576f74" providerId="ADAL" clId="{9F8FDC10-AD92-469E-90AA-5A471EDA6987}" dt="2021-09-15T19:47:26.895" v="0" actId="47"/>
+        <pc:sldMkLst>
+          <pc:docMk/>
+          <pc:sldMk cId="4094791069" sldId="324"/>
+        </pc:sldMkLst>
+      </pc:sldChg>
+      <pc:sldChg chg="del">
+        <pc:chgData name="Chris Johnson" userId="ff589efc-7bdb-4c2a-ab65-6fce12576f74" providerId="ADAL" clId="{9F8FDC10-AD92-469E-90AA-5A471EDA6987}" dt="2021-09-15T19:47:26.895" v="0" actId="47"/>
+        <pc:sldMkLst>
+          <pc:docMk/>
+          <pc:sldMk cId="715932956" sldId="325"/>
+        </pc:sldMkLst>
+      </pc:sldChg>
+      <pc:sldChg chg="del">
+        <pc:chgData name="Chris Johnson" userId="ff589efc-7bdb-4c2a-ab65-6fce12576f74" providerId="ADAL" clId="{9F8FDC10-AD92-469E-90AA-5A471EDA6987}" dt="2021-09-15T19:47:26.895" v="0" actId="47"/>
+        <pc:sldMkLst>
+          <pc:docMk/>
+          <pc:sldMk cId="1410863731" sldId="327"/>
+        </pc:sldMkLst>
+      </pc:sldChg>
+      <pc:sldChg chg="del">
+        <pc:chgData name="Chris Johnson" userId="ff589efc-7bdb-4c2a-ab65-6fce12576f74" providerId="ADAL" clId="{9F8FDC10-AD92-469E-90AA-5A471EDA6987}" dt="2021-09-15T19:47:26.895" v="0" actId="47"/>
+        <pc:sldMkLst>
+          <pc:docMk/>
+          <pc:sldMk cId="778720162" sldId="328"/>
+        </pc:sldMkLst>
+      </pc:sldChg>
+      <pc:sldChg chg="del">
+        <pc:chgData name="Chris Johnson" userId="ff589efc-7bdb-4c2a-ab65-6fce12576f74" providerId="ADAL" clId="{9F8FDC10-AD92-469E-90AA-5A471EDA6987}" dt="2021-09-15T19:47:26.895" v="0" actId="47"/>
+        <pc:sldMkLst>
+          <pc:docMk/>
+          <pc:sldMk cId="123030364" sldId="330"/>
+        </pc:sldMkLst>
+      </pc:sldChg>
+      <pc:sldChg chg="del">
+        <pc:chgData name="Chris Johnson" userId="ff589efc-7bdb-4c2a-ab65-6fce12576f74" providerId="ADAL" clId="{9F8FDC10-AD92-469E-90AA-5A471EDA6987}" dt="2021-09-15T19:47:26.895" v="0" actId="47"/>
+        <pc:sldMkLst>
+          <pc:docMk/>
+          <pc:sldMk cId="2986789715" sldId="331"/>
+        </pc:sldMkLst>
+      </pc:sldChg>
+    </pc:docChg>
+  </pc:docChgLst>
 </pc:chgInfo>
 </file>
 
@@ -541,7 +688,7 @@
           <a:p>
             <a:fld id="{92107E4A-59D9-C648-BC62-133DA4EC414F}" type="datetimeFigureOut">
               <a:rPr lang="en-US" smtClean="0"/>
-              <a:t>4/29/2022</a:t>
+              <a:t>9/10/22</a:t>
             </a:fld>
             <a:endParaRPr lang="en-US"/>
           </a:p>
@@ -1031,7 +1178,7 @@
           <a:p>
             <a:fld id="{4AB1357F-A277-7442-BEE7-4FE250216E54}" type="datetimeFigureOut">
               <a:rPr lang="en-US" smtClean="0"/>
-              <a:t>4/29/2022</a:t>
+              <a:t>9/10/22</a:t>
             </a:fld>
             <a:endParaRPr lang="en-US"/>
           </a:p>
@@ -1242,7 +1389,7 @@
           <a:p>
             <a:fld id="{4AB1357F-A277-7442-BEE7-4FE250216E54}" type="datetimeFigureOut">
               <a:rPr lang="en-US" smtClean="0"/>
-              <a:t>4/29/2022</a:t>
+              <a:t>9/10/22</a:t>
             </a:fld>
             <a:endParaRPr lang="en-US"/>
           </a:p>
@@ -1457,7 +1604,7 @@
           <a:p>
             <a:fld id="{4AB1357F-A277-7442-BEE7-4FE250216E54}" type="datetimeFigureOut">
               <a:rPr lang="en-US" smtClean="0"/>
-              <a:t>4/29/2022</a:t>
+              <a:t>9/10/22</a:t>
             </a:fld>
             <a:endParaRPr lang="en-US"/>
           </a:p>
@@ -1658,7 +1805,7 @@
           <a:p>
             <a:fld id="{4AB1357F-A277-7442-BEE7-4FE250216E54}" type="datetimeFigureOut">
               <a:rPr lang="en-US" smtClean="0"/>
-              <a:t>4/29/2022</a:t>
+              <a:t>9/10/22</a:t>
             </a:fld>
             <a:endParaRPr lang="en-US"/>
           </a:p>
@@ -1937,7 +2084,7 @@
           <a:p>
             <a:fld id="{4AB1357F-A277-7442-BEE7-4FE250216E54}" type="datetimeFigureOut">
               <a:rPr lang="en-US" smtClean="0"/>
-              <a:t>4/29/2022</a:t>
+              <a:t>9/10/22</a:t>
             </a:fld>
             <a:endParaRPr lang="en-US"/>
           </a:p>
@@ -2205,7 +2352,7 @@
           <a:p>
             <a:fld id="{4AB1357F-A277-7442-BEE7-4FE250216E54}" type="datetimeFigureOut">
               <a:rPr lang="en-US" smtClean="0"/>
-              <a:t>4/29/2022</a:t>
+              <a:t>9/10/22</a:t>
             </a:fld>
             <a:endParaRPr lang="en-US"/>
           </a:p>
@@ -2621,7 +2768,7 @@
           <a:p>
             <a:fld id="{4AB1357F-A277-7442-BEE7-4FE250216E54}" type="datetimeFigureOut">
               <a:rPr lang="en-US" smtClean="0"/>
-              <a:t>4/29/2022</a:t>
+              <a:t>9/10/22</a:t>
             </a:fld>
             <a:endParaRPr lang="en-US"/>
           </a:p>
@@ -2770,7 +2917,7 @@
           <a:p>
             <a:fld id="{4AB1357F-A277-7442-BEE7-4FE250216E54}" type="datetimeFigureOut">
               <a:rPr lang="en-US" smtClean="0"/>
-              <a:t>4/29/2022</a:t>
+              <a:t>9/10/22</a:t>
             </a:fld>
             <a:endParaRPr lang="en-US"/>
           </a:p>
@@ -2896,7 +3043,7 @@
           <a:p>
             <a:fld id="{4AB1357F-A277-7442-BEE7-4FE250216E54}" type="datetimeFigureOut">
               <a:rPr lang="en-US" smtClean="0"/>
-              <a:t>4/29/2022</a:t>
+              <a:t>9/10/22</a:t>
             </a:fld>
             <a:endParaRPr lang="en-US"/>
           </a:p>
@@ -3147,7 +3294,7 @@
           <a:p>
             <a:fld id="{4AB1357F-A277-7442-BEE7-4FE250216E54}" type="datetimeFigureOut">
               <a:rPr lang="en-US" smtClean="0"/>
-              <a:t>4/29/2022</a:t>
+              <a:t>9/10/22</a:t>
             </a:fld>
             <a:endParaRPr lang="en-US"/>
           </a:p>
@@ -3592,7 +3739,7 @@
           <a:p>
             <a:fld id="{4AB1357F-A277-7442-BEE7-4FE250216E54}" type="datetimeFigureOut">
               <a:rPr lang="en-US" smtClean="0"/>
-              <a:t>4/29/2022</a:t>
+              <a:t>9/10/22</a:t>
             </a:fld>
             <a:endParaRPr lang="en-US"/>
           </a:p>
@@ -3919,7 +4066,7 @@
           <a:p>
             <a:fld id="{4AB1357F-A277-7442-BEE7-4FE250216E54}" type="datetimeFigureOut">
               <a:rPr lang="en-US" smtClean="0"/>
-              <a:t>4/29/2022</a:t>
+              <a:t>9/10/22</a:t>
             </a:fld>
             <a:endParaRPr lang="en-US"/>
           </a:p>
@@ -4445,10 +4592,6 @@
               <a:rPr lang="en-US" sz="2400" dirty="0"/>
               <a:t>  ULI101:  Introduction to Unix / Linux and the Internet</a:t>
             </a:r>
-            <a:r>
-              <a:rPr lang="en-US" dirty="0"/>
-              <a:t/>
-            </a:r>
             <a:br>
               <a:rPr lang="en-US" dirty="0"/>
             </a:br>
@@ -4456,10 +4599,6 @@
               <a:rPr lang="en-US" sz="1200" dirty="0"/>
               <a:t> </a:t>
             </a:r>
-            <a:r>
-              <a:rPr lang="en-US" dirty="0"/>
-              <a:t/>
-            </a:r>
             <a:br>
               <a:rPr lang="en-US" dirty="0"/>
             </a:br>
@@ -4471,8 +4610,16 @@
               <a:rPr lang="en-US" sz="2200" dirty="0"/>
             </a:br>
             <a:r>
-              <a:rPr lang="en-US" sz="2200" dirty="0"/>
+              <a:rPr lang="en-US" sz="2200"/>
               <a:t>   </a:t>
+            </a:r>
+            <a:r>
+              <a:rPr lang="en-US" sz="2200">
+                <a:solidFill>
+                  <a:srgbClr val="0070C0"/>
+                </a:solidFill>
+              </a:rPr>
+              <a:t>Week 2</a:t>
             </a:r>
             <a:r>
               <a:rPr lang="en-US" sz="2200" dirty="0">
@@ -4480,7 +4627,7 @@
                   <a:srgbClr val="0070C0"/>
                 </a:solidFill>
               </a:rPr>
-              <a:t>Week2:</a:t>
+              <a:t>:</a:t>
             </a:r>
             <a:r>
               <a:rPr lang="en-US" sz="2200" dirty="0"/>
@@ -4494,17 +4641,9 @@
               </a:rPr>
               <a:t>lesson 1</a:t>
             </a:r>
-            <a:r>
-              <a:rPr lang="en-US" sz="2200" dirty="0"/>
-              <a:t/>
-            </a:r>
             <a:br>
               <a:rPr lang="en-US" sz="2200" dirty="0"/>
             </a:br>
-            <a:r>
-              <a:rPr lang="en-US" sz="2200" dirty="0"/>
-              <a:t/>
-            </a:r>
             <a:br>
               <a:rPr lang="en-US" sz="2200" dirty="0"/>
             </a:br>
@@ -4594,13 +4733,6 @@
   <p:clrMapOvr>
     <a:masterClrMapping/>
   </p:clrMapOvr>
-  <p:timing>
-    <p:tnLst>
-      <p:par>
-        <p:cTn id="1" dur="indefinite" restart="never" nodeType="tmRoot"/>
-      </p:par>
-    </p:tnLst>
-  </p:timing>
 </p:sld>
 </file>
 
@@ -5010,7 +5142,7 @@
           <a:blip r:embed="rId2">
             <a:extLst>
               <a:ext uri="{837473B0-CC2E-450A-ABE3-18F120FF3D39}">
-                <a1611:picAttrSrcUrl xmlns:a1611="http://schemas.microsoft.com/office/drawing/2016/11/main" xmlns="" r:id="rId3"/>
+                <a1611:picAttrSrcUrl xmlns:a1611="http://schemas.microsoft.com/office/drawing/2016/11/main" r:id="rId3"/>
               </a:ext>
             </a:extLst>
           </a:blip>
@@ -5678,7 +5810,7 @@
           <a:blip r:embed="rId2">
             <a:extLst>
               <a:ext uri="{837473B0-CC2E-450A-ABE3-18F120FF3D39}">
-                <a1611:picAttrSrcUrl xmlns:a1611="http://schemas.microsoft.com/office/drawing/2016/11/main" xmlns="" r:id="rId3"/>
+                <a1611:picAttrSrcUrl xmlns:a1611="http://schemas.microsoft.com/office/drawing/2016/11/main" r:id="rId3"/>
               </a:ext>
             </a:extLst>
           </a:blip>
@@ -5714,7 +5846,7 @@
           <a:blip r:embed="rId4">
             <a:extLst>
               <a:ext uri="{837473B0-CC2E-450A-ABE3-18F120FF3D39}">
-                <a1611:picAttrSrcUrl xmlns:a1611="http://schemas.microsoft.com/office/drawing/2016/11/main" xmlns="" r:id="rId5"/>
+                <a1611:picAttrSrcUrl xmlns:a1611="http://schemas.microsoft.com/office/drawing/2016/11/main" r:id="rId5"/>
               </a:ext>
             </a:extLst>
           </a:blip>
@@ -6191,7 +6323,7 @@
           <a:lstStyle/>
           <a:p>
             <a:r>
-              <a:rPr lang="en-US" sz="2800" dirty="0" smtClean="0"/>
+              <a:rPr lang="en-US" sz="2800" dirty="0"/>
               <a:t>HOMEWORK</a:t>
             </a:r>
             <a:endParaRPr lang="en-US" sz="3000" dirty="0"/>
@@ -6240,34 +6372,14 @@
             </a:pPr>
             <a:r>
               <a:rPr lang="en-CA" dirty="0"/>
-              <a:t>P</a:t>
-            </a:r>
-            <a:r>
-              <a:rPr lang="en-CA" dirty="0" smtClean="0"/>
-              <a:t>erform </a:t>
-            </a:r>
-            <a:r>
-              <a:rPr lang="en-CA" dirty="0"/>
-              <a:t>the online tutorial </a:t>
-            </a:r>
-            <a:r>
-              <a:rPr lang="en-CA" b="1" dirty="0" err="1" smtClean="0"/>
-              <a:t>Tutorial</a:t>
-            </a:r>
-            <a:r>
-              <a:rPr lang="en-CA" b="1" dirty="0" smtClean="0"/>
-              <a:t> </a:t>
+              <a:t>Perform the online tutorial </a:t>
             </a:r>
             <a:r>
               <a:rPr lang="en-CA" b="1" dirty="0"/>
-              <a:t>2: Unix / Linux File </a:t>
-            </a:r>
-            <a:r>
-              <a:rPr lang="en-CA" b="1" dirty="0" smtClean="0"/>
-              <a:t>Management</a:t>
+              <a:t>Tutorial 2: Unix / Linux File Management</a:t>
             </a:r>
             <a:br>
-              <a:rPr lang="en-CA" b="1" dirty="0" smtClean="0"/>
+              <a:rPr lang="en-CA" b="1" dirty="0"/>
             </a:br>
             <a:r>
               <a:rPr lang="en-US" b="1" spc="-1" dirty="0">
@@ -6275,23 +6387,7 @@
                   <a:srgbClr val="000000"/>
                 </a:solidFill>
               </a:rPr>
-              <a:t>(Due: Friday Week </a:t>
-            </a:r>
-            <a:r>
-              <a:rPr lang="en-US" b="1" spc="-1" dirty="0" smtClean="0">
-                <a:solidFill>
-                  <a:srgbClr val="000000"/>
-                </a:solidFill>
-              </a:rPr>
-              <a:t>3 </a:t>
-            </a:r>
-            <a:r>
-              <a:rPr lang="en-US" b="1" spc="-1" dirty="0">
-                <a:solidFill>
-                  <a:srgbClr val="000000"/>
-                </a:solidFill>
-              </a:rPr>
-              <a:t>@ midnight for a 2% grade)</a:t>
+              <a:t>(Due: Friday Week 3 @ midnight for a 2% grade)</a:t>
             </a:r>
             <a:r>
               <a:rPr lang="en-US" spc="-1" dirty="0">
@@ -6301,13 +6397,6 @@
               </a:rPr>
               <a:t>:</a:t>
             </a:r>
-            <a:r>
-              <a:rPr lang="en-CA" b="1" dirty="0" smtClean="0"/>
-              <a:t/>
-            </a:r>
-            <a:br>
-              <a:rPr lang="en-CA" b="1" dirty="0" smtClean="0"/>
-            </a:br>
             <a:endParaRPr lang="en-CA" sz="2000" dirty="0"/>
           </a:p>
           <a:p>
@@ -7256,7 +7345,7 @@
         </p:spPr>
         <p:txBody>
           <a:bodyPr>
-            <a:normAutofit fontScale="92500" lnSpcReduction="20000"/>
+            <a:normAutofit/>
           </a:bodyPr>
           <a:lstStyle/>
           <a:p>
@@ -7318,15 +7407,11 @@
               <a:rPr lang="en-CA" dirty="0"/>
               <a:t> files, directories may contain </a:t>
             </a:r>
-            <a:r>
-              <a:rPr lang="en-CA" dirty="0" smtClean="0"/>
-              <a:t/>
-            </a:r>
             <a:br>
-              <a:rPr lang="en-CA" dirty="0" smtClean="0"/>
+              <a:rPr lang="en-CA" dirty="0"/>
             </a:br>
             <a:r>
-              <a:rPr lang="en-CA" b="1" dirty="0" smtClean="0"/>
+              <a:rPr lang="en-CA" b="1" dirty="0"/>
               <a:t>sub-directories</a:t>
             </a:r>
             <a:r>
@@ -7367,37 +7452,13 @@
               <a:t> for Linux users and Linux system administrators (i.e. </a:t>
             </a:r>
             <a:r>
-              <a:rPr lang="en-CA" i="1" dirty="0" err="1"/>
+              <a:rPr lang="en-CA" i="1" dirty="0"/>
               <a:t>sysadmins</a:t>
             </a:r>
             <a:r>
-              <a:rPr lang="en-CA" dirty="0" smtClean="0"/>
+              <a:rPr lang="en-CA" dirty="0"/>
               <a:t>).</a:t>
             </a:r>
-            <a:br>
-              <a:rPr lang="en-CA" dirty="0" smtClean="0"/>
-            </a:br>
-            <a:r>
-              <a:rPr lang="en-CA" dirty="0" smtClean="0"/>
-              <a:t/>
-            </a:r>
-            <a:br>
-              <a:rPr lang="en-CA" dirty="0" smtClean="0"/>
-            </a:br>
-            <a:r>
-              <a:rPr lang="en-CA" dirty="0" smtClean="0"/>
-              <a:t/>
-            </a:r>
-            <a:br>
-              <a:rPr lang="en-CA" dirty="0" smtClean="0"/>
-            </a:br>
-            <a:r>
-              <a:rPr lang="en-CA" dirty="0" smtClean="0"/>
-              <a:t/>
-            </a:r>
-            <a:br>
-              <a:rPr lang="en-CA" dirty="0" smtClean="0"/>
-            </a:br>
             <a:endParaRPr lang="en-US" b="1" dirty="0">
               <a:solidFill>
                 <a:srgbClr val="0070C0"/>
@@ -7428,7 +7489,7 @@
         </p:blipFill>
         <p:spPr>
           <a:xfrm>
-            <a:off x="8318908" y="2492323"/>
+            <a:off x="8087680" y="2560303"/>
             <a:ext cx="3690004" cy="1737393"/>
           </a:xfrm>
           <a:prstGeom prst="rect">
@@ -7775,11 +7836,19 @@
             </a:r>
             <a:r>
               <a:rPr lang="en-CA" b="1" dirty="0"/>
-              <a:t>Mac OSX</a:t>
+              <a:t>macOS</a:t>
             </a:r>
             <a:r>
               <a:rPr lang="en-CA" dirty="0"/>
-              <a:t>, etc. In Unix / Linux (as opposed to MS Windows), there are no drive letters</a:t>
+              <a:t>, etc. In Unix / Linux (as </a:t>
+            </a:r>
+            <a:r>
+              <a:rPr lang="en-CA"/>
+              <a:t>opposed to </a:t>
+            </a:r>
+            <a:r>
+              <a:rPr lang="en-CA" dirty="0"/>
+              <a:t>Windows), there are no drive letters</a:t>
             </a:r>
             <a:br>
               <a:rPr lang="en-CA" dirty="0"/>
@@ -7908,7 +7977,7 @@
         </p:blipFill>
         <p:spPr>
           <a:xfrm>
-            <a:off x="8879711" y="4865500"/>
+            <a:off x="8820124" y="4476617"/>
             <a:ext cx="2175143" cy="1306914"/>
           </a:xfrm>
           <a:prstGeom prst="rect">
@@ -7943,7 +8012,7 @@
         </p:blipFill>
         <p:spPr>
           <a:xfrm>
-            <a:off x="8318908" y="2492323"/>
+            <a:off x="8122280" y="2134972"/>
             <a:ext cx="3690004" cy="1737393"/>
           </a:xfrm>
           <a:prstGeom prst="rect">
@@ -8276,13 +8345,13 @@
         </p:nvSpPr>
         <p:spPr>
           <a:xfrm>
-            <a:off x="1451578" y="1706813"/>
-            <a:ext cx="8397272" cy="4755771"/>
+            <a:off x="1451578" y="1706814"/>
+            <a:ext cx="8397272" cy="3737546"/>
           </a:xfrm>
         </p:spPr>
         <p:txBody>
           <a:bodyPr>
-            <a:normAutofit fontScale="92500" lnSpcReduction="10000"/>
+            <a:normAutofit/>
           </a:bodyPr>
           <a:lstStyle/>
           <a:p>
@@ -8377,10 +8446,6 @@
             <a:r>
               <a:rPr lang="en-CA" b="1" dirty="0"/>
               <a:t>Example:</a:t>
-            </a:r>
-            <a:r>
-              <a:rPr lang="en-CA" dirty="0"/>
-              <a:t/>
             </a:r>
             <a:br>
               <a:rPr lang="en-CA" dirty="0"/>
@@ -8415,48 +8480,6 @@
               </a:rPr>
               <a:t>-id</a:t>
             </a:r>
-            <a:endParaRPr lang="en-CA" dirty="0"/>
-          </a:p>
-          <a:p>
-            <a:pPr marL="0" indent="0">
-              <a:buNone/>
-            </a:pPr>
-            <a:endParaRPr lang="en-CA" dirty="0"/>
-          </a:p>
-          <a:p>
-            <a:pPr marL="0" indent="0">
-              <a:buNone/>
-            </a:pPr>
-            <a:r>
-              <a:rPr lang="en-CA" dirty="0"/>
-              <a:t>Reference: </a:t>
-            </a:r>
-            <a:r>
-              <a:rPr lang="en-CA" dirty="0">
-                <a:hlinkClick r:id="rId2"/>
-              </a:rPr>
-              <a:t>https://en.wikipedia.org/wiki/Path_(computing</a:t>
-            </a:r>
-            <a:r>
-              <a:rPr lang="en-CA" dirty="0" smtClean="0">
-                <a:hlinkClick r:id="rId2"/>
-              </a:rPr>
-              <a:t>)</a:t>
-            </a:r>
-            <a:r>
-              <a:rPr lang="en-CA" dirty="0" smtClean="0"/>
-              <a:t/>
-            </a:r>
-            <a:br>
-              <a:rPr lang="en-CA" dirty="0" smtClean="0"/>
-            </a:br>
-            <a:r>
-              <a:rPr lang="en-CA" dirty="0" smtClean="0"/>
-              <a:t/>
-            </a:r>
-            <a:br>
-              <a:rPr lang="en-CA" dirty="0" smtClean="0"/>
-            </a:br>
             <a:endParaRPr lang="en-CA" dirty="0"/>
           </a:p>
         </p:txBody>
@@ -8476,10 +8499,10 @@
           <p:nvPr/>
         </p:nvPicPr>
         <p:blipFill>
-          <a:blip r:embed="rId3">
+          <a:blip r:embed="rId2">
             <a:extLst>
               <a:ext uri="{837473B0-CC2E-450A-ABE3-18F120FF3D39}">
-                <a1611:picAttrSrcUrl xmlns:a1611="http://schemas.microsoft.com/office/drawing/2016/11/main" xmlns="" r:id="rId4"/>
+                <a1611:picAttrSrcUrl xmlns:a1611="http://schemas.microsoft.com/office/drawing/2016/11/main" r:id="rId3"/>
               </a:ext>
             </a:extLst>
           </a:blip>
@@ -8512,14 +8535,14 @@
           <p:nvPr/>
         </p:nvPicPr>
         <p:blipFill>
-          <a:blip r:embed="rId5"/>
+          <a:blip r:embed="rId4"/>
           <a:stretch>
             <a:fillRect/>
           </a:stretch>
         </p:blipFill>
         <p:spPr>
           <a:xfrm>
-            <a:off x="9072213" y="3816266"/>
+            <a:off x="9072213" y="4071807"/>
             <a:ext cx="2436267" cy="1843887"/>
           </a:xfrm>
           <a:prstGeom prst="rect">
@@ -8532,6 +8555,48 @@
           </a:ln>
         </p:spPr>
       </p:pic>
+      <p:sp>
+        <p:nvSpPr>
+          <p:cNvPr id="4" name="TextBox 3">
+            <a:extLst>
+              <a:ext uri="{FF2B5EF4-FFF2-40B4-BE49-F238E27FC236}">
+                <a16:creationId xmlns:a16="http://schemas.microsoft.com/office/drawing/2014/main" id="{395B6E56-F7B9-B4B5-3253-FB16B61E150C}"/>
+              </a:ext>
+            </a:extLst>
+          </p:cNvPr>
+          <p:cNvSpPr txBox="1"/>
+          <p:nvPr/>
+        </p:nvSpPr>
+        <p:spPr>
+          <a:xfrm>
+            <a:off x="1451578" y="6283115"/>
+            <a:ext cx="5556842" cy="369332"/>
+          </a:xfrm>
+          <a:prstGeom prst="rect">
+            <a:avLst/>
+          </a:prstGeom>
+          <a:noFill/>
+        </p:spPr>
+        <p:txBody>
+          <a:bodyPr wrap="none" rtlCol="0">
+            <a:spAutoFit/>
+          </a:bodyPr>
+          <a:lstStyle/>
+          <a:p>
+            <a:r>
+              <a:rPr lang="en-CA" dirty="0"/>
+              <a:t>Reference: </a:t>
+            </a:r>
+            <a:r>
+              <a:rPr lang="en-CA" dirty="0">
+                <a:hlinkClick r:id="rId5"/>
+              </a:rPr>
+              <a:t>https://en.wikipedia.org/wiki/Path_(computing)</a:t>
+            </a:r>
+            <a:endParaRPr lang="en-CA" dirty="0"/>
+          </a:p>
+        </p:txBody>
+      </p:sp>
     </p:spTree>
     <p:extLst>
       <p:ext uri="{BB962C8B-B14F-4D97-AF65-F5344CB8AC3E}">
@@ -8787,37 +8852,6 @@
                                           <p:spTgt spid="3">
                                             <p:txEl>
                                               <p:pRg st="4" end="4"/>
-                                            </p:txEl>
-                                          </p:spTgt>
-                                        </p:tgtEl>
-                                        <p:attrNameLst>
-                                          <p:attrName>style.visibility</p:attrName>
-                                        </p:attrNameLst>
-                                      </p:cBhvr>
-                                      <p:to>
-                                        <p:strVal val="visible"/>
-                                      </p:to>
-                                    </p:set>
-                                  </p:childTnLst>
-                                </p:cTn>
-                              </p:par>
-                              <p:par>
-                                <p:cTn id="23" presetID="1" presetClass="entr" presetSubtype="0" fill="hold" nodeType="withEffect">
-                                  <p:stCondLst>
-                                    <p:cond delay="0"/>
-                                  </p:stCondLst>
-                                  <p:childTnLst>
-                                    <p:set>
-                                      <p:cBhvr>
-                                        <p:cTn id="24" dur="1" fill="hold">
-                                          <p:stCondLst>
-                                            <p:cond delay="0"/>
-                                          </p:stCondLst>
-                                        </p:cTn>
-                                        <p:tgtEl>
-                                          <p:spTgt spid="3">
-                                            <p:txEl>
-                                              <p:pRg st="6" end="6"/>
                                             </p:txEl>
                                           </p:spTgt>
                                         </p:tgtEl>
@@ -10339,13 +10373,6 @@
   <p:clrMapOvr>
     <a:masterClrMapping/>
   </p:clrMapOvr>
-  <p:timing>
-    <p:tnLst>
-      <p:par>
-        <p:cTn id="1" dur="indefinite" restart="never" nodeType="tmRoot"/>
-      </p:par>
-    </p:tnLst>
-  </p:timing>
 </p:sld>
 </file>
 
@@ -11432,12 +11459,6 @@
               <a:rPr lang="en-CA" sz="1600" dirty="0"/>
               <a:t>Remove non-empty directories</a:t>
             </a:r>
-            <a:endParaRPr lang="en-CA" sz="2400" dirty="0"/>
-          </a:p>
-          <a:p>
-            <a:pPr marL="0" indent="0">
-              <a:buNone/>
-            </a:pPr>
             <a:endParaRPr lang="en-US" dirty="0"/>
           </a:p>
         </p:txBody>
@@ -11460,7 +11481,7 @@
           <a:blip r:embed="rId2">
             <a:extLst>
               <a:ext uri="{837473B0-CC2E-450A-ABE3-18F120FF3D39}">
-                <a1611:picAttrSrcUrl xmlns:a1611="http://schemas.microsoft.com/office/drawing/2016/11/main" xmlns="" r:id="rId3"/>
+                <a1611:picAttrSrcUrl xmlns:a1611="http://schemas.microsoft.com/office/drawing/2016/11/main" r:id="rId3"/>
               </a:ext>
             </a:extLst>
           </a:blip>

--- a/ULI101-2.1.pptx
+++ b/ULI101-2.1.pptx
@@ -337,7 +337,7 @@
   <pc:docChgLst>
     <pc:chgData name="Chris Johnson" userId="ff589efc-7bdb-4c2a-ab65-6fce12576f74" providerId="ADAL" clId="{7D59EC0E-2881-C847-976B-9D9F31DB7CBA}"/>
     <pc:docChg chg="custSel modSld">
-      <pc:chgData name="Chris Johnson" userId="ff589efc-7bdb-4c2a-ab65-6fce12576f74" providerId="ADAL" clId="{7D59EC0E-2881-C847-976B-9D9F31DB7CBA}" dt="2022-09-10T18:37:29.648" v="69" actId="20577"/>
+      <pc:chgData name="Chris Johnson" userId="ff589efc-7bdb-4c2a-ab65-6fce12576f74" providerId="ADAL" clId="{7D59EC0E-2881-C847-976B-9D9F31DB7CBA}" dt="2022-09-11T23:35:43.861" v="72" actId="14734"/>
       <pc:docMkLst>
         <pc:docMk/>
       </pc:docMkLst>
@@ -411,6 +411,21 @@
           </ac:picMkLst>
         </pc:picChg>
       </pc:sldChg>
+      <pc:sldChg chg="modSp mod">
+        <pc:chgData name="Chris Johnson" userId="ff589efc-7bdb-4c2a-ab65-6fce12576f74" providerId="ADAL" clId="{7D59EC0E-2881-C847-976B-9D9F31DB7CBA}" dt="2022-09-11T23:35:43.861" v="72" actId="14734"/>
+        <pc:sldMkLst>
+          <pc:docMk/>
+          <pc:sldMk cId="3489722857" sldId="285"/>
+        </pc:sldMkLst>
+        <pc:graphicFrameChg chg="modGraphic">
+          <ac:chgData name="Chris Johnson" userId="ff589efc-7bdb-4c2a-ab65-6fce12576f74" providerId="ADAL" clId="{7D59EC0E-2881-C847-976B-9D9F31DB7CBA}" dt="2022-09-11T23:35:43.861" v="72" actId="14734"/>
+          <ac:graphicFrameMkLst>
+            <pc:docMk/>
+            <pc:sldMk cId="3489722857" sldId="285"/>
+            <ac:graphicFrameMk id="4" creationId="{3D181DCE-7158-754D-8B84-2B46D8EE1D2C}"/>
+          </ac:graphicFrameMkLst>
+        </pc:graphicFrameChg>
+      </pc:sldChg>
       <pc:sldChg chg="modSp">
         <pc:chgData name="Chris Johnson" userId="ff589efc-7bdb-4c2a-ab65-6fce12576f74" providerId="ADAL" clId="{7D59EC0E-2881-C847-976B-9D9F31DB7CBA}" dt="2022-09-10T18:24:06.457" v="40" actId="6549"/>
         <pc:sldMkLst>
@@ -440,6 +455,21 @@
             <ac:spMk id="2" creationId="{1AF487AF-3253-5F42-B599-57667778EABD}"/>
           </ac:spMkLst>
         </pc:spChg>
+      </pc:sldChg>
+      <pc:sldChg chg="modSp mod">
+        <pc:chgData name="Chris Johnson" userId="ff589efc-7bdb-4c2a-ab65-6fce12576f74" providerId="ADAL" clId="{7D59EC0E-2881-C847-976B-9D9F31DB7CBA}" dt="2022-09-11T23:35:19.965" v="70" actId="20577"/>
+        <pc:sldMkLst>
+          <pc:docMk/>
+          <pc:sldMk cId="1789083601" sldId="319"/>
+        </pc:sldMkLst>
+        <pc:graphicFrameChg chg="modGraphic">
+          <ac:chgData name="Chris Johnson" userId="ff589efc-7bdb-4c2a-ab65-6fce12576f74" providerId="ADAL" clId="{7D59EC0E-2881-C847-976B-9D9F31DB7CBA}" dt="2022-09-11T23:35:19.965" v="70" actId="20577"/>
+          <ac:graphicFrameMkLst>
+            <pc:docMk/>
+            <pc:sldMk cId="1789083601" sldId="319"/>
+            <ac:graphicFrameMk id="4" creationId="{3D181DCE-7158-754D-8B84-2B46D8EE1D2C}"/>
+          </ac:graphicFrameMkLst>
+        </pc:graphicFrameChg>
       </pc:sldChg>
       <pc:sldChg chg="modSp modAnim">
         <pc:chgData name="Chris Johnson" userId="ff589efc-7bdb-4c2a-ab65-6fce12576f74" providerId="ADAL" clId="{7D59EC0E-2881-C847-976B-9D9F31DB7CBA}" dt="2022-09-10T18:24:40.877" v="53" actId="6549"/>
@@ -688,7 +718,7 @@
           <a:p>
             <a:fld id="{92107E4A-59D9-C648-BC62-133DA4EC414F}" type="datetimeFigureOut">
               <a:rPr lang="en-US" smtClean="0"/>
-              <a:t>9/10/22</a:t>
+              <a:t>9/11/22</a:t>
             </a:fld>
             <a:endParaRPr lang="en-US"/>
           </a:p>
@@ -1178,7 +1208,7 @@
           <a:p>
             <a:fld id="{4AB1357F-A277-7442-BEE7-4FE250216E54}" type="datetimeFigureOut">
               <a:rPr lang="en-US" smtClean="0"/>
-              <a:t>9/10/22</a:t>
+              <a:t>9/11/22</a:t>
             </a:fld>
             <a:endParaRPr lang="en-US"/>
           </a:p>
@@ -1389,7 +1419,7 @@
           <a:p>
             <a:fld id="{4AB1357F-A277-7442-BEE7-4FE250216E54}" type="datetimeFigureOut">
               <a:rPr lang="en-US" smtClean="0"/>
-              <a:t>9/10/22</a:t>
+              <a:t>9/11/22</a:t>
             </a:fld>
             <a:endParaRPr lang="en-US"/>
           </a:p>
@@ -1604,7 +1634,7 @@
           <a:p>
             <a:fld id="{4AB1357F-A277-7442-BEE7-4FE250216E54}" type="datetimeFigureOut">
               <a:rPr lang="en-US" smtClean="0"/>
-              <a:t>9/10/22</a:t>
+              <a:t>9/11/22</a:t>
             </a:fld>
             <a:endParaRPr lang="en-US"/>
           </a:p>
@@ -1805,7 +1835,7 @@
           <a:p>
             <a:fld id="{4AB1357F-A277-7442-BEE7-4FE250216E54}" type="datetimeFigureOut">
               <a:rPr lang="en-US" smtClean="0"/>
-              <a:t>9/10/22</a:t>
+              <a:t>9/11/22</a:t>
             </a:fld>
             <a:endParaRPr lang="en-US"/>
           </a:p>
@@ -2084,7 +2114,7 @@
           <a:p>
             <a:fld id="{4AB1357F-A277-7442-BEE7-4FE250216E54}" type="datetimeFigureOut">
               <a:rPr lang="en-US" smtClean="0"/>
-              <a:t>9/10/22</a:t>
+              <a:t>9/11/22</a:t>
             </a:fld>
             <a:endParaRPr lang="en-US"/>
           </a:p>
@@ -2352,7 +2382,7 @@
           <a:p>
             <a:fld id="{4AB1357F-A277-7442-BEE7-4FE250216E54}" type="datetimeFigureOut">
               <a:rPr lang="en-US" smtClean="0"/>
-              <a:t>9/10/22</a:t>
+              <a:t>9/11/22</a:t>
             </a:fld>
             <a:endParaRPr lang="en-US"/>
           </a:p>
@@ -2768,7 +2798,7 @@
           <a:p>
             <a:fld id="{4AB1357F-A277-7442-BEE7-4FE250216E54}" type="datetimeFigureOut">
               <a:rPr lang="en-US" smtClean="0"/>
-              <a:t>9/10/22</a:t>
+              <a:t>9/11/22</a:t>
             </a:fld>
             <a:endParaRPr lang="en-US"/>
           </a:p>
@@ -2917,7 +2947,7 @@
           <a:p>
             <a:fld id="{4AB1357F-A277-7442-BEE7-4FE250216E54}" type="datetimeFigureOut">
               <a:rPr lang="en-US" smtClean="0"/>
-              <a:t>9/10/22</a:t>
+              <a:t>9/11/22</a:t>
             </a:fld>
             <a:endParaRPr lang="en-US"/>
           </a:p>
@@ -3043,7 +3073,7 @@
           <a:p>
             <a:fld id="{4AB1357F-A277-7442-BEE7-4FE250216E54}" type="datetimeFigureOut">
               <a:rPr lang="en-US" smtClean="0"/>
-              <a:t>9/10/22</a:t>
+              <a:t>9/11/22</a:t>
             </a:fld>
             <a:endParaRPr lang="en-US"/>
           </a:p>
@@ -3294,7 +3324,7 @@
           <a:p>
             <a:fld id="{4AB1357F-A277-7442-BEE7-4FE250216E54}" type="datetimeFigureOut">
               <a:rPr lang="en-US" smtClean="0"/>
-              <a:t>9/10/22</a:t>
+              <a:t>9/11/22</a:t>
             </a:fld>
             <a:endParaRPr lang="en-US"/>
           </a:p>
@@ -3739,7 +3769,7 @@
           <a:p>
             <a:fld id="{4AB1357F-A277-7442-BEE7-4FE250216E54}" type="datetimeFigureOut">
               <a:rPr lang="en-US" smtClean="0"/>
-              <a:t>9/10/22</a:t>
+              <a:t>9/11/22</a:t>
             </a:fld>
             <a:endParaRPr lang="en-US"/>
           </a:p>
@@ -4066,7 +4096,7 @@
           <a:p>
             <a:fld id="{4AB1357F-A277-7442-BEE7-4FE250216E54}" type="datetimeFigureOut">
               <a:rPr lang="en-US" smtClean="0"/>
-              <a:t>9/10/22</a:t>
+              <a:t>9/11/22</a:t>
             </a:fld>
             <a:endParaRPr lang="en-US"/>
           </a:p>
@@ -9019,7 +9049,7 @@
           <p:nvPr>
             <p:extLst>
               <p:ext uri="{D42A27DB-BD31-4B8C-83A1-F6EECF244321}">
-                <p14:modId xmlns:p14="http://schemas.microsoft.com/office/powerpoint/2010/main" val="366271889"/>
+                <p14:modId xmlns:p14="http://schemas.microsoft.com/office/powerpoint/2010/main" val="1039843170"/>
               </p:ext>
             </p:extLst>
           </p:nvPr>
@@ -9035,14 +9065,14 @@
                 <a:tableStyleId>{93296810-A885-4BE3-A3E7-6D5BEEA58F35}</a:tableStyleId>
               </a:tblPr>
               <a:tblGrid>
-                <a:gridCol w="1808362">
+                <a:gridCol w="1897104">
                   <a:extLst>
                     <a:ext uri="{9D8B030D-6E8A-4147-A177-3AD203B41FA5}">
                       <a16:colId xmlns:a16="http://schemas.microsoft.com/office/drawing/2014/main" val="4249162776"/>
                     </a:ext>
                   </a:extLst>
                 </a:gridCol>
-                <a:gridCol w="4195938">
+                <a:gridCol w="4107196">
                   <a:extLst>
                     <a:ext uri="{9D8B030D-6E8A-4147-A177-3AD203B41FA5}">
                       <a16:colId xmlns:a16="http://schemas.microsoft.com/office/drawing/2014/main" val="3871234389"/>
@@ -9058,13 +9088,8 @@
                     <a:p>
                       <a:r>
                         <a:rPr lang="en-US" sz="1400" dirty="0"/>
-                        <a:t>Directory </a:t>
+                        <a:t>Directory Pathname</a:t>
                       </a:r>
-                      <a:r>
-                        <a:rPr lang="en-US" sz="1400" dirty="0" err="1"/>
-                        <a:t>Pathame</a:t>
-                      </a:r>
-                      <a:endParaRPr lang="en-US" sz="1400" dirty="0"/>
                     </a:p>
                   </a:txBody>
                   <a:tcPr/>
@@ -10498,7 +10523,7 @@
           <p:nvPr>
             <p:extLst>
               <p:ext uri="{D42A27DB-BD31-4B8C-83A1-F6EECF244321}">
-                <p14:modId xmlns:p14="http://schemas.microsoft.com/office/powerpoint/2010/main" val="3660752688"/>
+                <p14:modId xmlns:p14="http://schemas.microsoft.com/office/powerpoint/2010/main" val="1677056678"/>
               </p:ext>
             </p:extLst>
           </p:nvPr>
@@ -10537,13 +10562,8 @@
                     <a:p>
                       <a:r>
                         <a:rPr lang="en-US" dirty="0"/>
-                        <a:t>Directory </a:t>
+                        <a:t>Directory Pathname</a:t>
                       </a:r>
-                      <a:r>
-                        <a:rPr lang="en-US" dirty="0" err="1"/>
-                        <a:t>Pathame</a:t>
-                      </a:r>
-                      <a:endParaRPr lang="en-US" dirty="0"/>
                     </a:p>
                   </a:txBody>
                   <a:tcPr/>

--- a/ULI101-2.1.pptx
+++ b/ULI101-2.1.pptx
@@ -136,6 +136,128 @@
 
 <file path=ppt/changesInfos/changesInfo1.xml><?xml version="1.0" encoding="utf-8"?>
 <pc:chgInfo xmlns:a="http://schemas.openxmlformats.org/drawingml/2006/main" xmlns:r="http://schemas.openxmlformats.org/officeDocument/2006/relationships" xmlns:ac="http://schemas.microsoft.com/office/drawing/2013/main/command" xmlns:pc="http://schemas.microsoft.com/office/powerpoint/2013/main/command">
+  <pc:docChgLst>
+    <pc:chgData name="Chris Johnson" userId="ff589efc-7bdb-4c2a-ab65-6fce12576f74" providerId="ADAL" clId="{9F8FDC10-AD92-469E-90AA-5A471EDA6987}"/>
+    <pc:docChg chg="delSld modSld">
+      <pc:chgData name="Chris Johnson" userId="ff589efc-7bdb-4c2a-ab65-6fce12576f74" providerId="ADAL" clId="{9F8FDC10-AD92-469E-90AA-5A471EDA6987}" dt="2021-09-15T19:47:55.912" v="1" actId="20577"/>
+      <pc:docMkLst>
+        <pc:docMk/>
+      </pc:docMkLst>
+      <pc:sldChg chg="del">
+        <pc:chgData name="Chris Johnson" userId="ff589efc-7bdb-4c2a-ab65-6fce12576f74" providerId="ADAL" clId="{9F8FDC10-AD92-469E-90AA-5A471EDA6987}" dt="2021-09-15T19:47:26.895" v="0" actId="47"/>
+        <pc:sldMkLst>
+          <pc:docMk/>
+          <pc:sldMk cId="3343982343" sldId="256"/>
+        </pc:sldMkLst>
+      </pc:sldChg>
+      <pc:sldChg chg="del">
+        <pc:chgData name="Chris Johnson" userId="ff589efc-7bdb-4c2a-ab65-6fce12576f74" providerId="ADAL" clId="{9F8FDC10-AD92-469E-90AA-5A471EDA6987}" dt="2021-09-15T19:47:26.895" v="0" actId="47"/>
+        <pc:sldMkLst>
+          <pc:docMk/>
+          <pc:sldMk cId="896036711" sldId="261"/>
+        </pc:sldMkLst>
+      </pc:sldChg>
+      <pc:sldChg chg="del">
+        <pc:chgData name="Chris Johnson" userId="ff589efc-7bdb-4c2a-ab65-6fce12576f74" providerId="ADAL" clId="{9F8FDC10-AD92-469E-90AA-5A471EDA6987}" dt="2021-09-15T19:47:26.895" v="0" actId="47"/>
+        <pc:sldMkLst>
+          <pc:docMk/>
+          <pc:sldMk cId="1664135072" sldId="294"/>
+        </pc:sldMkLst>
+      </pc:sldChg>
+      <pc:sldChg chg="del">
+        <pc:chgData name="Chris Johnson" userId="ff589efc-7bdb-4c2a-ab65-6fce12576f74" providerId="ADAL" clId="{9F8FDC10-AD92-469E-90AA-5A471EDA6987}" dt="2021-09-15T19:47:26.895" v="0" actId="47"/>
+        <pc:sldMkLst>
+          <pc:docMk/>
+          <pc:sldMk cId="3610047828" sldId="298"/>
+        </pc:sldMkLst>
+      </pc:sldChg>
+      <pc:sldChg chg="del">
+        <pc:chgData name="Chris Johnson" userId="ff589efc-7bdb-4c2a-ab65-6fce12576f74" providerId="ADAL" clId="{9F8FDC10-AD92-469E-90AA-5A471EDA6987}" dt="2021-09-15T19:47:26.895" v="0" actId="47"/>
+        <pc:sldMkLst>
+          <pc:docMk/>
+          <pc:sldMk cId="198616617" sldId="299"/>
+        </pc:sldMkLst>
+      </pc:sldChg>
+      <pc:sldChg chg="del">
+        <pc:chgData name="Chris Johnson" userId="ff589efc-7bdb-4c2a-ab65-6fce12576f74" providerId="ADAL" clId="{9F8FDC10-AD92-469E-90AA-5A471EDA6987}" dt="2021-09-15T19:47:26.895" v="0" actId="47"/>
+        <pc:sldMkLst>
+          <pc:docMk/>
+          <pc:sldMk cId="1939109305" sldId="302"/>
+        </pc:sldMkLst>
+      </pc:sldChg>
+      <pc:sldChg chg="modSp">
+        <pc:chgData name="Chris Johnson" userId="ff589efc-7bdb-4c2a-ab65-6fce12576f74" providerId="ADAL" clId="{9F8FDC10-AD92-469E-90AA-5A471EDA6987}" dt="2021-09-15T19:47:55.912" v="1" actId="20577"/>
+        <pc:sldMkLst>
+          <pc:docMk/>
+          <pc:sldMk cId="2052958121" sldId="321"/>
+        </pc:sldMkLst>
+        <pc:spChg chg="mod">
+          <ac:chgData name="Chris Johnson" userId="ff589efc-7bdb-4c2a-ab65-6fce12576f74" providerId="ADAL" clId="{9F8FDC10-AD92-469E-90AA-5A471EDA6987}" dt="2021-09-15T19:47:55.912" v="1" actId="20577"/>
+          <ac:spMkLst>
+            <pc:docMk/>
+            <pc:sldMk cId="2052958121" sldId="321"/>
+            <ac:spMk id="3" creationId="{99DF4C7A-3854-7B4B-8D4F-4AD959A565DC}"/>
+          </ac:spMkLst>
+        </pc:spChg>
+      </pc:sldChg>
+      <pc:sldChg chg="del">
+        <pc:chgData name="Chris Johnson" userId="ff589efc-7bdb-4c2a-ab65-6fce12576f74" providerId="ADAL" clId="{9F8FDC10-AD92-469E-90AA-5A471EDA6987}" dt="2021-09-15T19:47:26.895" v="0" actId="47"/>
+        <pc:sldMkLst>
+          <pc:docMk/>
+          <pc:sldMk cId="3238403926" sldId="322"/>
+        </pc:sldMkLst>
+      </pc:sldChg>
+      <pc:sldChg chg="del">
+        <pc:chgData name="Chris Johnson" userId="ff589efc-7bdb-4c2a-ab65-6fce12576f74" providerId="ADAL" clId="{9F8FDC10-AD92-469E-90AA-5A471EDA6987}" dt="2021-09-15T19:47:26.895" v="0" actId="47"/>
+        <pc:sldMkLst>
+          <pc:docMk/>
+          <pc:sldMk cId="2075726154" sldId="323"/>
+        </pc:sldMkLst>
+      </pc:sldChg>
+      <pc:sldChg chg="del">
+        <pc:chgData name="Chris Johnson" userId="ff589efc-7bdb-4c2a-ab65-6fce12576f74" providerId="ADAL" clId="{9F8FDC10-AD92-469E-90AA-5A471EDA6987}" dt="2021-09-15T19:47:26.895" v="0" actId="47"/>
+        <pc:sldMkLst>
+          <pc:docMk/>
+          <pc:sldMk cId="4094791069" sldId="324"/>
+        </pc:sldMkLst>
+      </pc:sldChg>
+      <pc:sldChg chg="del">
+        <pc:chgData name="Chris Johnson" userId="ff589efc-7bdb-4c2a-ab65-6fce12576f74" providerId="ADAL" clId="{9F8FDC10-AD92-469E-90AA-5A471EDA6987}" dt="2021-09-15T19:47:26.895" v="0" actId="47"/>
+        <pc:sldMkLst>
+          <pc:docMk/>
+          <pc:sldMk cId="715932956" sldId="325"/>
+        </pc:sldMkLst>
+      </pc:sldChg>
+      <pc:sldChg chg="del">
+        <pc:chgData name="Chris Johnson" userId="ff589efc-7bdb-4c2a-ab65-6fce12576f74" providerId="ADAL" clId="{9F8FDC10-AD92-469E-90AA-5A471EDA6987}" dt="2021-09-15T19:47:26.895" v="0" actId="47"/>
+        <pc:sldMkLst>
+          <pc:docMk/>
+          <pc:sldMk cId="1410863731" sldId="327"/>
+        </pc:sldMkLst>
+      </pc:sldChg>
+      <pc:sldChg chg="del">
+        <pc:chgData name="Chris Johnson" userId="ff589efc-7bdb-4c2a-ab65-6fce12576f74" providerId="ADAL" clId="{9F8FDC10-AD92-469E-90AA-5A471EDA6987}" dt="2021-09-15T19:47:26.895" v="0" actId="47"/>
+        <pc:sldMkLst>
+          <pc:docMk/>
+          <pc:sldMk cId="778720162" sldId="328"/>
+        </pc:sldMkLst>
+      </pc:sldChg>
+      <pc:sldChg chg="del">
+        <pc:chgData name="Chris Johnson" userId="ff589efc-7bdb-4c2a-ab65-6fce12576f74" providerId="ADAL" clId="{9F8FDC10-AD92-469E-90AA-5A471EDA6987}" dt="2021-09-15T19:47:26.895" v="0" actId="47"/>
+        <pc:sldMkLst>
+          <pc:docMk/>
+          <pc:sldMk cId="123030364" sldId="330"/>
+        </pc:sldMkLst>
+      </pc:sldChg>
+      <pc:sldChg chg="del">
+        <pc:chgData name="Chris Johnson" userId="ff589efc-7bdb-4c2a-ab65-6fce12576f74" providerId="ADAL" clId="{9F8FDC10-AD92-469E-90AA-5A471EDA6987}" dt="2021-09-15T19:47:26.895" v="0" actId="47"/>
+        <pc:sldMkLst>
+          <pc:docMk/>
+          <pc:sldMk cId="2986789715" sldId="331"/>
+        </pc:sldMkLst>
+      </pc:sldChg>
+    </pc:docChg>
+  </pc:docChgLst>
   <pc:docChgLst>
     <pc:chgData name="Chris Johnson" userId="ff589efc-7bdb-4c2a-ab65-6fce12576f74" providerId="ADAL" clId="{EA524C57-204F-1045-B10D-C24E3A4DAF80}"/>
     <pc:docChg chg="custSel modSld">
@@ -511,128 +633,6 @@
       </pc:sldChg>
     </pc:docChg>
   </pc:docChgLst>
-  <pc:docChgLst>
-    <pc:chgData name="Chris Johnson" userId="ff589efc-7bdb-4c2a-ab65-6fce12576f74" providerId="ADAL" clId="{9F8FDC10-AD92-469E-90AA-5A471EDA6987}"/>
-    <pc:docChg chg="delSld modSld">
-      <pc:chgData name="Chris Johnson" userId="ff589efc-7bdb-4c2a-ab65-6fce12576f74" providerId="ADAL" clId="{9F8FDC10-AD92-469E-90AA-5A471EDA6987}" dt="2021-09-15T19:47:55.912" v="1" actId="20577"/>
-      <pc:docMkLst>
-        <pc:docMk/>
-      </pc:docMkLst>
-      <pc:sldChg chg="del">
-        <pc:chgData name="Chris Johnson" userId="ff589efc-7bdb-4c2a-ab65-6fce12576f74" providerId="ADAL" clId="{9F8FDC10-AD92-469E-90AA-5A471EDA6987}" dt="2021-09-15T19:47:26.895" v="0" actId="47"/>
-        <pc:sldMkLst>
-          <pc:docMk/>
-          <pc:sldMk cId="3343982343" sldId="256"/>
-        </pc:sldMkLst>
-      </pc:sldChg>
-      <pc:sldChg chg="del">
-        <pc:chgData name="Chris Johnson" userId="ff589efc-7bdb-4c2a-ab65-6fce12576f74" providerId="ADAL" clId="{9F8FDC10-AD92-469E-90AA-5A471EDA6987}" dt="2021-09-15T19:47:26.895" v="0" actId="47"/>
-        <pc:sldMkLst>
-          <pc:docMk/>
-          <pc:sldMk cId="896036711" sldId="261"/>
-        </pc:sldMkLst>
-      </pc:sldChg>
-      <pc:sldChg chg="del">
-        <pc:chgData name="Chris Johnson" userId="ff589efc-7bdb-4c2a-ab65-6fce12576f74" providerId="ADAL" clId="{9F8FDC10-AD92-469E-90AA-5A471EDA6987}" dt="2021-09-15T19:47:26.895" v="0" actId="47"/>
-        <pc:sldMkLst>
-          <pc:docMk/>
-          <pc:sldMk cId="1664135072" sldId="294"/>
-        </pc:sldMkLst>
-      </pc:sldChg>
-      <pc:sldChg chg="del">
-        <pc:chgData name="Chris Johnson" userId="ff589efc-7bdb-4c2a-ab65-6fce12576f74" providerId="ADAL" clId="{9F8FDC10-AD92-469E-90AA-5A471EDA6987}" dt="2021-09-15T19:47:26.895" v="0" actId="47"/>
-        <pc:sldMkLst>
-          <pc:docMk/>
-          <pc:sldMk cId="3610047828" sldId="298"/>
-        </pc:sldMkLst>
-      </pc:sldChg>
-      <pc:sldChg chg="del">
-        <pc:chgData name="Chris Johnson" userId="ff589efc-7bdb-4c2a-ab65-6fce12576f74" providerId="ADAL" clId="{9F8FDC10-AD92-469E-90AA-5A471EDA6987}" dt="2021-09-15T19:47:26.895" v="0" actId="47"/>
-        <pc:sldMkLst>
-          <pc:docMk/>
-          <pc:sldMk cId="198616617" sldId="299"/>
-        </pc:sldMkLst>
-      </pc:sldChg>
-      <pc:sldChg chg="del">
-        <pc:chgData name="Chris Johnson" userId="ff589efc-7bdb-4c2a-ab65-6fce12576f74" providerId="ADAL" clId="{9F8FDC10-AD92-469E-90AA-5A471EDA6987}" dt="2021-09-15T19:47:26.895" v="0" actId="47"/>
-        <pc:sldMkLst>
-          <pc:docMk/>
-          <pc:sldMk cId="1939109305" sldId="302"/>
-        </pc:sldMkLst>
-      </pc:sldChg>
-      <pc:sldChg chg="modSp">
-        <pc:chgData name="Chris Johnson" userId="ff589efc-7bdb-4c2a-ab65-6fce12576f74" providerId="ADAL" clId="{9F8FDC10-AD92-469E-90AA-5A471EDA6987}" dt="2021-09-15T19:47:55.912" v="1" actId="20577"/>
-        <pc:sldMkLst>
-          <pc:docMk/>
-          <pc:sldMk cId="2052958121" sldId="321"/>
-        </pc:sldMkLst>
-        <pc:spChg chg="mod">
-          <ac:chgData name="Chris Johnson" userId="ff589efc-7bdb-4c2a-ab65-6fce12576f74" providerId="ADAL" clId="{9F8FDC10-AD92-469E-90AA-5A471EDA6987}" dt="2021-09-15T19:47:55.912" v="1" actId="20577"/>
-          <ac:spMkLst>
-            <pc:docMk/>
-            <pc:sldMk cId="2052958121" sldId="321"/>
-            <ac:spMk id="3" creationId="{99DF4C7A-3854-7B4B-8D4F-4AD959A565DC}"/>
-          </ac:spMkLst>
-        </pc:spChg>
-      </pc:sldChg>
-      <pc:sldChg chg="del">
-        <pc:chgData name="Chris Johnson" userId="ff589efc-7bdb-4c2a-ab65-6fce12576f74" providerId="ADAL" clId="{9F8FDC10-AD92-469E-90AA-5A471EDA6987}" dt="2021-09-15T19:47:26.895" v="0" actId="47"/>
-        <pc:sldMkLst>
-          <pc:docMk/>
-          <pc:sldMk cId="3238403926" sldId="322"/>
-        </pc:sldMkLst>
-      </pc:sldChg>
-      <pc:sldChg chg="del">
-        <pc:chgData name="Chris Johnson" userId="ff589efc-7bdb-4c2a-ab65-6fce12576f74" providerId="ADAL" clId="{9F8FDC10-AD92-469E-90AA-5A471EDA6987}" dt="2021-09-15T19:47:26.895" v="0" actId="47"/>
-        <pc:sldMkLst>
-          <pc:docMk/>
-          <pc:sldMk cId="2075726154" sldId="323"/>
-        </pc:sldMkLst>
-      </pc:sldChg>
-      <pc:sldChg chg="del">
-        <pc:chgData name="Chris Johnson" userId="ff589efc-7bdb-4c2a-ab65-6fce12576f74" providerId="ADAL" clId="{9F8FDC10-AD92-469E-90AA-5A471EDA6987}" dt="2021-09-15T19:47:26.895" v="0" actId="47"/>
-        <pc:sldMkLst>
-          <pc:docMk/>
-          <pc:sldMk cId="4094791069" sldId="324"/>
-        </pc:sldMkLst>
-      </pc:sldChg>
-      <pc:sldChg chg="del">
-        <pc:chgData name="Chris Johnson" userId="ff589efc-7bdb-4c2a-ab65-6fce12576f74" providerId="ADAL" clId="{9F8FDC10-AD92-469E-90AA-5A471EDA6987}" dt="2021-09-15T19:47:26.895" v="0" actId="47"/>
-        <pc:sldMkLst>
-          <pc:docMk/>
-          <pc:sldMk cId="715932956" sldId="325"/>
-        </pc:sldMkLst>
-      </pc:sldChg>
-      <pc:sldChg chg="del">
-        <pc:chgData name="Chris Johnson" userId="ff589efc-7bdb-4c2a-ab65-6fce12576f74" providerId="ADAL" clId="{9F8FDC10-AD92-469E-90AA-5A471EDA6987}" dt="2021-09-15T19:47:26.895" v="0" actId="47"/>
-        <pc:sldMkLst>
-          <pc:docMk/>
-          <pc:sldMk cId="1410863731" sldId="327"/>
-        </pc:sldMkLst>
-      </pc:sldChg>
-      <pc:sldChg chg="del">
-        <pc:chgData name="Chris Johnson" userId="ff589efc-7bdb-4c2a-ab65-6fce12576f74" providerId="ADAL" clId="{9F8FDC10-AD92-469E-90AA-5A471EDA6987}" dt="2021-09-15T19:47:26.895" v="0" actId="47"/>
-        <pc:sldMkLst>
-          <pc:docMk/>
-          <pc:sldMk cId="778720162" sldId="328"/>
-        </pc:sldMkLst>
-      </pc:sldChg>
-      <pc:sldChg chg="del">
-        <pc:chgData name="Chris Johnson" userId="ff589efc-7bdb-4c2a-ab65-6fce12576f74" providerId="ADAL" clId="{9F8FDC10-AD92-469E-90AA-5A471EDA6987}" dt="2021-09-15T19:47:26.895" v="0" actId="47"/>
-        <pc:sldMkLst>
-          <pc:docMk/>
-          <pc:sldMk cId="123030364" sldId="330"/>
-        </pc:sldMkLst>
-      </pc:sldChg>
-      <pc:sldChg chg="del">
-        <pc:chgData name="Chris Johnson" userId="ff589efc-7bdb-4c2a-ab65-6fce12576f74" providerId="ADAL" clId="{9F8FDC10-AD92-469E-90AA-5A471EDA6987}" dt="2021-09-15T19:47:26.895" v="0" actId="47"/>
-        <pc:sldMkLst>
-          <pc:docMk/>
-          <pc:sldMk cId="2986789715" sldId="331"/>
-        </pc:sldMkLst>
-      </pc:sldChg>
-    </pc:docChg>
-  </pc:docChgLst>
 </pc:chgInfo>
 </file>
 
@@ -718,7 +718,7 @@
           <a:p>
             <a:fld id="{92107E4A-59D9-C648-BC62-133DA4EC414F}" type="datetimeFigureOut">
               <a:rPr lang="en-US" smtClean="0"/>
-              <a:t>9/11/22</a:t>
+              <a:t>5/15/23</a:t>
             </a:fld>
             <a:endParaRPr lang="en-US"/>
           </a:p>
@@ -1208,7 +1208,7 @@
           <a:p>
             <a:fld id="{4AB1357F-A277-7442-BEE7-4FE250216E54}" type="datetimeFigureOut">
               <a:rPr lang="en-US" smtClean="0"/>
-              <a:t>9/11/22</a:t>
+              <a:t>5/15/23</a:t>
             </a:fld>
             <a:endParaRPr lang="en-US"/>
           </a:p>
@@ -1419,7 +1419,7 @@
           <a:p>
             <a:fld id="{4AB1357F-A277-7442-BEE7-4FE250216E54}" type="datetimeFigureOut">
               <a:rPr lang="en-US" smtClean="0"/>
-              <a:t>9/11/22</a:t>
+              <a:t>5/15/23</a:t>
             </a:fld>
             <a:endParaRPr lang="en-US"/>
           </a:p>
@@ -1634,7 +1634,7 @@
           <a:p>
             <a:fld id="{4AB1357F-A277-7442-BEE7-4FE250216E54}" type="datetimeFigureOut">
               <a:rPr lang="en-US" smtClean="0"/>
-              <a:t>9/11/22</a:t>
+              <a:t>5/15/23</a:t>
             </a:fld>
             <a:endParaRPr lang="en-US"/>
           </a:p>
@@ -1835,7 +1835,7 @@
           <a:p>
             <a:fld id="{4AB1357F-A277-7442-BEE7-4FE250216E54}" type="datetimeFigureOut">
               <a:rPr lang="en-US" smtClean="0"/>
-              <a:t>9/11/22</a:t>
+              <a:t>5/15/23</a:t>
             </a:fld>
             <a:endParaRPr lang="en-US"/>
           </a:p>
@@ -2114,7 +2114,7 @@
           <a:p>
             <a:fld id="{4AB1357F-A277-7442-BEE7-4FE250216E54}" type="datetimeFigureOut">
               <a:rPr lang="en-US" smtClean="0"/>
-              <a:t>9/11/22</a:t>
+              <a:t>5/15/23</a:t>
             </a:fld>
             <a:endParaRPr lang="en-US"/>
           </a:p>
@@ -2382,7 +2382,7 @@
           <a:p>
             <a:fld id="{4AB1357F-A277-7442-BEE7-4FE250216E54}" type="datetimeFigureOut">
               <a:rPr lang="en-US" smtClean="0"/>
-              <a:t>9/11/22</a:t>
+              <a:t>5/15/23</a:t>
             </a:fld>
             <a:endParaRPr lang="en-US"/>
           </a:p>
@@ -2798,7 +2798,7 @@
           <a:p>
             <a:fld id="{4AB1357F-A277-7442-BEE7-4FE250216E54}" type="datetimeFigureOut">
               <a:rPr lang="en-US" smtClean="0"/>
-              <a:t>9/11/22</a:t>
+              <a:t>5/15/23</a:t>
             </a:fld>
             <a:endParaRPr lang="en-US"/>
           </a:p>
@@ -2947,7 +2947,7 @@
           <a:p>
             <a:fld id="{4AB1357F-A277-7442-BEE7-4FE250216E54}" type="datetimeFigureOut">
               <a:rPr lang="en-US" smtClean="0"/>
-              <a:t>9/11/22</a:t>
+              <a:t>5/15/23</a:t>
             </a:fld>
             <a:endParaRPr lang="en-US"/>
           </a:p>
@@ -3073,7 +3073,7 @@
           <a:p>
             <a:fld id="{4AB1357F-A277-7442-BEE7-4FE250216E54}" type="datetimeFigureOut">
               <a:rPr lang="en-US" smtClean="0"/>
-              <a:t>9/11/22</a:t>
+              <a:t>5/15/23</a:t>
             </a:fld>
             <a:endParaRPr lang="en-US"/>
           </a:p>
@@ -3324,7 +3324,7 @@
           <a:p>
             <a:fld id="{4AB1357F-A277-7442-BEE7-4FE250216E54}" type="datetimeFigureOut">
               <a:rPr lang="en-US" smtClean="0"/>
-              <a:t>9/11/22</a:t>
+              <a:t>5/15/23</a:t>
             </a:fld>
             <a:endParaRPr lang="en-US"/>
           </a:p>
@@ -3769,7 +3769,7 @@
           <a:p>
             <a:fld id="{4AB1357F-A277-7442-BEE7-4FE250216E54}" type="datetimeFigureOut">
               <a:rPr lang="en-US" smtClean="0"/>
-              <a:t>9/11/22</a:t>
+              <a:t>5/15/23</a:t>
             </a:fld>
             <a:endParaRPr lang="en-US"/>
           </a:p>
@@ -4096,7 +4096,7 @@
           <a:p>
             <a:fld id="{4AB1357F-A277-7442-BEE7-4FE250216E54}" type="datetimeFigureOut">
               <a:rPr lang="en-US" smtClean="0"/>
-              <a:t>9/11/22</a:t>
+              <a:t>5/15/23</a:t>
             </a:fld>
             <a:endParaRPr lang="en-US"/>
           </a:p>
@@ -5200,406 +5200,6 @@
   <p:clrMapOvr>
     <a:masterClrMapping/>
   </p:clrMapOvr>
-  <p:timing>
-    <p:tnLst>
-      <p:par>
-        <p:cTn id="1" dur="indefinite" restart="never" nodeType="tmRoot">
-          <p:childTnLst>
-            <p:seq concurrent="1" nextAc="seek">
-              <p:cTn id="2" dur="indefinite" nodeType="mainSeq">
-                <p:childTnLst>
-                  <p:par>
-                    <p:cTn id="3" fill="hold">
-                      <p:stCondLst>
-                        <p:cond delay="indefinite"/>
-                        <p:cond evt="onBegin" delay="0">
-                          <p:tn val="2"/>
-                        </p:cond>
-                      </p:stCondLst>
-                      <p:childTnLst>
-                        <p:par>
-                          <p:cTn id="4" fill="hold">
-                            <p:stCondLst>
-                              <p:cond delay="0"/>
-                            </p:stCondLst>
-                            <p:childTnLst>
-                              <p:par>
-                                <p:cTn id="5" presetID="1" presetClass="entr" presetSubtype="0" fill="hold" grpId="0" nodeType="withEffect">
-                                  <p:stCondLst>
-                                    <p:cond delay="0"/>
-                                  </p:stCondLst>
-                                  <p:childTnLst>
-                                    <p:set>
-                                      <p:cBhvr>
-                                        <p:cTn id="6" dur="1" fill="hold">
-                                          <p:stCondLst>
-                                            <p:cond delay="0"/>
-                                          </p:stCondLst>
-                                        </p:cTn>
-                                        <p:tgtEl>
-                                          <p:spTgt spid="3">
-                                            <p:txEl>
-                                              <p:pRg st="0" end="0"/>
-                                            </p:txEl>
-                                          </p:spTgt>
-                                        </p:tgtEl>
-                                        <p:attrNameLst>
-                                          <p:attrName>style.visibility</p:attrName>
-                                        </p:attrNameLst>
-                                      </p:cBhvr>
-                                      <p:to>
-                                        <p:strVal val="visible"/>
-                                      </p:to>
-                                    </p:set>
-                                  </p:childTnLst>
-                                </p:cTn>
-                              </p:par>
-                              <p:par>
-                                <p:cTn id="7" presetID="1" presetClass="entr" presetSubtype="0" fill="hold" grpId="0" nodeType="withEffect">
-                                  <p:stCondLst>
-                                    <p:cond delay="0"/>
-                                  </p:stCondLst>
-                                  <p:childTnLst>
-                                    <p:set>
-                                      <p:cBhvr>
-                                        <p:cTn id="8" dur="1" fill="hold">
-                                          <p:stCondLst>
-                                            <p:cond delay="0"/>
-                                          </p:stCondLst>
-                                        </p:cTn>
-                                        <p:tgtEl>
-                                          <p:spTgt spid="3">
-                                            <p:txEl>
-                                              <p:pRg st="1" end="1"/>
-                                            </p:txEl>
-                                          </p:spTgt>
-                                        </p:tgtEl>
-                                        <p:attrNameLst>
-                                          <p:attrName>style.visibility</p:attrName>
-                                        </p:attrNameLst>
-                                      </p:cBhvr>
-                                      <p:to>
-                                        <p:strVal val="visible"/>
-                                      </p:to>
-                                    </p:set>
-                                  </p:childTnLst>
-                                </p:cTn>
-                              </p:par>
-                            </p:childTnLst>
-                          </p:cTn>
-                        </p:par>
-                      </p:childTnLst>
-                    </p:cTn>
-                  </p:par>
-                  <p:par>
-                    <p:cTn id="9" fill="hold">
-                      <p:stCondLst>
-                        <p:cond delay="indefinite"/>
-                      </p:stCondLst>
-                      <p:childTnLst>
-                        <p:par>
-                          <p:cTn id="10" fill="hold">
-                            <p:stCondLst>
-                              <p:cond delay="0"/>
-                            </p:stCondLst>
-                            <p:childTnLst>
-                              <p:par>
-                                <p:cTn id="11" presetID="1" presetClass="entr" presetSubtype="0" fill="hold" grpId="0" nodeType="clickEffect">
-                                  <p:stCondLst>
-                                    <p:cond delay="0"/>
-                                  </p:stCondLst>
-                                  <p:childTnLst>
-                                    <p:set>
-                                      <p:cBhvr>
-                                        <p:cTn id="12" dur="1" fill="hold">
-                                          <p:stCondLst>
-                                            <p:cond delay="0"/>
-                                          </p:stCondLst>
-                                        </p:cTn>
-                                        <p:tgtEl>
-                                          <p:spTgt spid="3">
-                                            <p:txEl>
-                                              <p:pRg st="2" end="2"/>
-                                            </p:txEl>
-                                          </p:spTgt>
-                                        </p:tgtEl>
-                                        <p:attrNameLst>
-                                          <p:attrName>style.visibility</p:attrName>
-                                        </p:attrNameLst>
-                                      </p:cBhvr>
-                                      <p:to>
-                                        <p:strVal val="visible"/>
-                                      </p:to>
-                                    </p:set>
-                                  </p:childTnLst>
-                                </p:cTn>
-                              </p:par>
-                              <p:par>
-                                <p:cTn id="13" presetID="1" presetClass="entr" presetSubtype="0" fill="hold" grpId="0" nodeType="withEffect">
-                                  <p:stCondLst>
-                                    <p:cond delay="0"/>
-                                  </p:stCondLst>
-                                  <p:childTnLst>
-                                    <p:set>
-                                      <p:cBhvr>
-                                        <p:cTn id="14" dur="1" fill="hold">
-                                          <p:stCondLst>
-                                            <p:cond delay="0"/>
-                                          </p:stCondLst>
-                                        </p:cTn>
-                                        <p:tgtEl>
-                                          <p:spTgt spid="3">
-                                            <p:txEl>
-                                              <p:pRg st="3" end="3"/>
-                                            </p:txEl>
-                                          </p:spTgt>
-                                        </p:tgtEl>
-                                        <p:attrNameLst>
-                                          <p:attrName>style.visibility</p:attrName>
-                                        </p:attrNameLst>
-                                      </p:cBhvr>
-                                      <p:to>
-                                        <p:strVal val="visible"/>
-                                      </p:to>
-                                    </p:set>
-                                  </p:childTnLst>
-                                </p:cTn>
-                              </p:par>
-                              <p:par>
-                                <p:cTn id="15" presetID="1" presetClass="entr" presetSubtype="0" fill="hold" grpId="0" nodeType="withEffect">
-                                  <p:stCondLst>
-                                    <p:cond delay="0"/>
-                                  </p:stCondLst>
-                                  <p:childTnLst>
-                                    <p:set>
-                                      <p:cBhvr>
-                                        <p:cTn id="16" dur="1" fill="hold">
-                                          <p:stCondLst>
-                                            <p:cond delay="0"/>
-                                          </p:stCondLst>
-                                        </p:cTn>
-                                        <p:tgtEl>
-                                          <p:spTgt spid="3">
-                                            <p:txEl>
-                                              <p:pRg st="4" end="4"/>
-                                            </p:txEl>
-                                          </p:spTgt>
-                                        </p:tgtEl>
-                                        <p:attrNameLst>
-                                          <p:attrName>style.visibility</p:attrName>
-                                        </p:attrNameLst>
-                                      </p:cBhvr>
-                                      <p:to>
-                                        <p:strVal val="visible"/>
-                                      </p:to>
-                                    </p:set>
-                                  </p:childTnLst>
-                                </p:cTn>
-                              </p:par>
-                              <p:par>
-                                <p:cTn id="17" presetID="1" presetClass="entr" presetSubtype="0" fill="hold" grpId="0" nodeType="withEffect">
-                                  <p:stCondLst>
-                                    <p:cond delay="0"/>
-                                  </p:stCondLst>
-                                  <p:childTnLst>
-                                    <p:set>
-                                      <p:cBhvr>
-                                        <p:cTn id="18" dur="1" fill="hold">
-                                          <p:stCondLst>
-                                            <p:cond delay="0"/>
-                                          </p:stCondLst>
-                                        </p:cTn>
-                                        <p:tgtEl>
-                                          <p:spTgt spid="3">
-                                            <p:txEl>
-                                              <p:pRg st="5" end="5"/>
-                                            </p:txEl>
-                                          </p:spTgt>
-                                        </p:tgtEl>
-                                        <p:attrNameLst>
-                                          <p:attrName>style.visibility</p:attrName>
-                                        </p:attrNameLst>
-                                      </p:cBhvr>
-                                      <p:to>
-                                        <p:strVal val="visible"/>
-                                      </p:to>
-                                    </p:set>
-                                  </p:childTnLst>
-                                </p:cTn>
-                              </p:par>
-                            </p:childTnLst>
-                          </p:cTn>
-                        </p:par>
-                      </p:childTnLst>
-                    </p:cTn>
-                  </p:par>
-                  <p:par>
-                    <p:cTn id="19" fill="hold">
-                      <p:stCondLst>
-                        <p:cond delay="indefinite"/>
-                      </p:stCondLst>
-                      <p:childTnLst>
-                        <p:par>
-                          <p:cTn id="20" fill="hold">
-                            <p:stCondLst>
-                              <p:cond delay="0"/>
-                            </p:stCondLst>
-                            <p:childTnLst>
-                              <p:par>
-                                <p:cTn id="21" presetID="1" presetClass="entr" presetSubtype="0" fill="hold" grpId="0" nodeType="clickEffect">
-                                  <p:stCondLst>
-                                    <p:cond delay="0"/>
-                                  </p:stCondLst>
-                                  <p:childTnLst>
-                                    <p:set>
-                                      <p:cBhvr>
-                                        <p:cTn id="22" dur="1" fill="hold">
-                                          <p:stCondLst>
-                                            <p:cond delay="0"/>
-                                          </p:stCondLst>
-                                        </p:cTn>
-                                        <p:tgtEl>
-                                          <p:spTgt spid="3">
-                                            <p:txEl>
-                                              <p:pRg st="7" end="7"/>
-                                            </p:txEl>
-                                          </p:spTgt>
-                                        </p:tgtEl>
-                                        <p:attrNameLst>
-                                          <p:attrName>style.visibility</p:attrName>
-                                        </p:attrNameLst>
-                                      </p:cBhvr>
-                                      <p:to>
-                                        <p:strVal val="visible"/>
-                                      </p:to>
-                                    </p:set>
-                                  </p:childTnLst>
-                                </p:cTn>
-                              </p:par>
-                              <p:par>
-                                <p:cTn id="23" presetID="1" presetClass="entr" presetSubtype="0" fill="hold" grpId="0" nodeType="withEffect">
-                                  <p:stCondLst>
-                                    <p:cond delay="0"/>
-                                  </p:stCondLst>
-                                  <p:childTnLst>
-                                    <p:set>
-                                      <p:cBhvr>
-                                        <p:cTn id="24" dur="1" fill="hold">
-                                          <p:stCondLst>
-                                            <p:cond delay="0"/>
-                                          </p:stCondLst>
-                                        </p:cTn>
-                                        <p:tgtEl>
-                                          <p:spTgt spid="3">
-                                            <p:txEl>
-                                              <p:pRg st="8" end="8"/>
-                                            </p:txEl>
-                                          </p:spTgt>
-                                        </p:tgtEl>
-                                        <p:attrNameLst>
-                                          <p:attrName>style.visibility</p:attrName>
-                                        </p:attrNameLst>
-                                      </p:cBhvr>
-                                      <p:to>
-                                        <p:strVal val="visible"/>
-                                      </p:to>
-                                    </p:set>
-                                  </p:childTnLst>
-                                </p:cTn>
-                              </p:par>
-                              <p:par>
-                                <p:cTn id="25" presetID="1" presetClass="entr" presetSubtype="0" fill="hold" grpId="0" nodeType="withEffect">
-                                  <p:stCondLst>
-                                    <p:cond delay="0"/>
-                                  </p:stCondLst>
-                                  <p:childTnLst>
-                                    <p:set>
-                                      <p:cBhvr>
-                                        <p:cTn id="26" dur="1" fill="hold">
-                                          <p:stCondLst>
-                                            <p:cond delay="0"/>
-                                          </p:stCondLst>
-                                        </p:cTn>
-                                        <p:tgtEl>
-                                          <p:spTgt spid="3">
-                                            <p:txEl>
-                                              <p:pRg st="9" end="9"/>
-                                            </p:txEl>
-                                          </p:spTgt>
-                                        </p:tgtEl>
-                                        <p:attrNameLst>
-                                          <p:attrName>style.visibility</p:attrName>
-                                        </p:attrNameLst>
-                                      </p:cBhvr>
-                                      <p:to>
-                                        <p:strVal val="visible"/>
-                                      </p:to>
-                                    </p:set>
-                                  </p:childTnLst>
-                                </p:cTn>
-                              </p:par>
-                              <p:par>
-                                <p:cTn id="27" presetID="1" presetClass="entr" presetSubtype="0" fill="hold" grpId="0" nodeType="withEffect">
-                                  <p:stCondLst>
-                                    <p:cond delay="0"/>
-                                  </p:stCondLst>
-                                  <p:childTnLst>
-                                    <p:set>
-                                      <p:cBhvr>
-                                        <p:cTn id="28" dur="1" fill="hold">
-                                          <p:stCondLst>
-                                            <p:cond delay="0"/>
-                                          </p:stCondLst>
-                                        </p:cTn>
-                                        <p:tgtEl>
-                                          <p:spTgt spid="3">
-                                            <p:txEl>
-                                              <p:pRg st="10" end="10"/>
-                                            </p:txEl>
-                                          </p:spTgt>
-                                        </p:tgtEl>
-                                        <p:attrNameLst>
-                                          <p:attrName>style.visibility</p:attrName>
-                                        </p:attrNameLst>
-                                      </p:cBhvr>
-                                      <p:to>
-                                        <p:strVal val="visible"/>
-                                      </p:to>
-                                    </p:set>
-                                  </p:childTnLst>
-                                </p:cTn>
-                              </p:par>
-                            </p:childTnLst>
-                          </p:cTn>
-                        </p:par>
-                      </p:childTnLst>
-                    </p:cTn>
-                  </p:par>
-                </p:childTnLst>
-              </p:cTn>
-              <p:prevCondLst>
-                <p:cond evt="onPrev" delay="0">
-                  <p:tgtEl>
-                    <p:sldTgt/>
-                  </p:tgtEl>
-                </p:cond>
-              </p:prevCondLst>
-              <p:nextCondLst>
-                <p:cond evt="onNext" delay="0">
-                  <p:tgtEl>
-                    <p:sldTgt/>
-                  </p:tgtEl>
-                </p:cond>
-              </p:nextCondLst>
-            </p:seq>
-          </p:childTnLst>
-        </p:cTn>
-      </p:par>
-    </p:tnLst>
-    <p:bldLst>
-      <p:bldP spid="3" grpId="0" uiExpand="1" build="p"/>
-    </p:bldLst>
-  </p:timing>
 </p:sld>
 </file>
 
@@ -5904,411 +5504,6 @@
   <p:clrMapOvr>
     <a:masterClrMapping/>
   </p:clrMapOvr>
-  <p:timing>
-    <p:tnLst>
-      <p:par>
-        <p:cTn id="1" dur="indefinite" restart="never" nodeType="tmRoot">
-          <p:childTnLst>
-            <p:seq concurrent="1" nextAc="seek">
-              <p:cTn id="2" dur="indefinite" nodeType="mainSeq">
-                <p:childTnLst>
-                  <p:par>
-                    <p:cTn id="3" fill="hold">
-                      <p:stCondLst>
-                        <p:cond delay="indefinite"/>
-                        <p:cond evt="onBegin" delay="0">
-                          <p:tn val="2"/>
-                        </p:cond>
-                      </p:stCondLst>
-                      <p:childTnLst>
-                        <p:par>
-                          <p:cTn id="4" fill="hold">
-                            <p:stCondLst>
-                              <p:cond delay="0"/>
-                            </p:stCondLst>
-                            <p:childTnLst>
-                              <p:par>
-                                <p:cTn id="5" presetID="1" presetClass="entr" presetSubtype="0" fill="hold" grpId="0" nodeType="withEffect">
-                                  <p:stCondLst>
-                                    <p:cond delay="0"/>
-                                  </p:stCondLst>
-                                  <p:childTnLst>
-                                    <p:set>
-                                      <p:cBhvr>
-                                        <p:cTn id="6" dur="1" fill="hold">
-                                          <p:stCondLst>
-                                            <p:cond delay="0"/>
-                                          </p:stCondLst>
-                                        </p:cTn>
-                                        <p:tgtEl>
-                                          <p:spTgt spid="3">
-                                            <p:txEl>
-                                              <p:pRg st="0" end="0"/>
-                                            </p:txEl>
-                                          </p:spTgt>
-                                        </p:tgtEl>
-                                        <p:attrNameLst>
-                                          <p:attrName>style.visibility</p:attrName>
-                                        </p:attrNameLst>
-                                      </p:cBhvr>
-                                      <p:to>
-                                        <p:strVal val="visible"/>
-                                      </p:to>
-                                    </p:set>
-                                  </p:childTnLst>
-                                </p:cTn>
-                              </p:par>
-                              <p:par>
-                                <p:cTn id="7" presetID="1" presetClass="entr" presetSubtype="0" fill="hold" grpId="0" nodeType="withEffect">
-                                  <p:stCondLst>
-                                    <p:cond delay="0"/>
-                                  </p:stCondLst>
-                                  <p:childTnLst>
-                                    <p:set>
-                                      <p:cBhvr>
-                                        <p:cTn id="8" dur="1" fill="hold">
-                                          <p:stCondLst>
-                                            <p:cond delay="0"/>
-                                          </p:stCondLst>
-                                        </p:cTn>
-                                        <p:tgtEl>
-                                          <p:spTgt spid="3">
-                                            <p:txEl>
-                                              <p:pRg st="1" end="1"/>
-                                            </p:txEl>
-                                          </p:spTgt>
-                                        </p:tgtEl>
-                                        <p:attrNameLst>
-                                          <p:attrName>style.visibility</p:attrName>
-                                        </p:attrNameLst>
-                                      </p:cBhvr>
-                                      <p:to>
-                                        <p:strVal val="visible"/>
-                                      </p:to>
-                                    </p:set>
-                                  </p:childTnLst>
-                                </p:cTn>
-                              </p:par>
-                            </p:childTnLst>
-                          </p:cTn>
-                        </p:par>
-                      </p:childTnLst>
-                    </p:cTn>
-                  </p:par>
-                  <p:par>
-                    <p:cTn id="9" fill="hold">
-                      <p:stCondLst>
-                        <p:cond delay="indefinite"/>
-                      </p:stCondLst>
-                      <p:childTnLst>
-                        <p:par>
-                          <p:cTn id="10" fill="hold">
-                            <p:stCondLst>
-                              <p:cond delay="0"/>
-                            </p:stCondLst>
-                            <p:childTnLst>
-                              <p:par>
-                                <p:cTn id="11" presetID="1" presetClass="entr" presetSubtype="0" fill="hold" grpId="0" nodeType="clickEffect">
-                                  <p:stCondLst>
-                                    <p:cond delay="0"/>
-                                  </p:stCondLst>
-                                  <p:childTnLst>
-                                    <p:set>
-                                      <p:cBhvr>
-                                        <p:cTn id="12" dur="1" fill="hold">
-                                          <p:stCondLst>
-                                            <p:cond delay="0"/>
-                                          </p:stCondLst>
-                                        </p:cTn>
-                                        <p:tgtEl>
-                                          <p:spTgt spid="3">
-                                            <p:txEl>
-                                              <p:pRg st="2" end="2"/>
-                                            </p:txEl>
-                                          </p:spTgt>
-                                        </p:tgtEl>
-                                        <p:attrNameLst>
-                                          <p:attrName>style.visibility</p:attrName>
-                                        </p:attrNameLst>
-                                      </p:cBhvr>
-                                      <p:to>
-                                        <p:strVal val="visible"/>
-                                      </p:to>
-                                    </p:set>
-                                  </p:childTnLst>
-                                </p:cTn>
-                              </p:par>
-                              <p:par>
-                                <p:cTn id="13" presetID="1" presetClass="entr" presetSubtype="0" fill="hold" grpId="0" nodeType="withEffect">
-                                  <p:stCondLst>
-                                    <p:cond delay="0"/>
-                                  </p:stCondLst>
-                                  <p:childTnLst>
-                                    <p:set>
-                                      <p:cBhvr>
-                                        <p:cTn id="14" dur="1" fill="hold">
-                                          <p:stCondLst>
-                                            <p:cond delay="0"/>
-                                          </p:stCondLst>
-                                        </p:cTn>
-                                        <p:tgtEl>
-                                          <p:spTgt spid="3">
-                                            <p:txEl>
-                                              <p:pRg st="3" end="3"/>
-                                            </p:txEl>
-                                          </p:spTgt>
-                                        </p:tgtEl>
-                                        <p:attrNameLst>
-                                          <p:attrName>style.visibility</p:attrName>
-                                        </p:attrNameLst>
-                                      </p:cBhvr>
-                                      <p:to>
-                                        <p:strVal val="visible"/>
-                                      </p:to>
-                                    </p:set>
-                                  </p:childTnLst>
-                                </p:cTn>
-                              </p:par>
-                              <p:par>
-                                <p:cTn id="15" presetID="1" presetClass="entr" presetSubtype="0" fill="hold" grpId="0" nodeType="withEffect">
-                                  <p:stCondLst>
-                                    <p:cond delay="0"/>
-                                  </p:stCondLst>
-                                  <p:childTnLst>
-                                    <p:set>
-                                      <p:cBhvr>
-                                        <p:cTn id="16" dur="1" fill="hold">
-                                          <p:stCondLst>
-                                            <p:cond delay="0"/>
-                                          </p:stCondLst>
-                                        </p:cTn>
-                                        <p:tgtEl>
-                                          <p:spTgt spid="3">
-                                            <p:txEl>
-                                              <p:pRg st="4" end="4"/>
-                                            </p:txEl>
-                                          </p:spTgt>
-                                        </p:tgtEl>
-                                        <p:attrNameLst>
-                                          <p:attrName>style.visibility</p:attrName>
-                                        </p:attrNameLst>
-                                      </p:cBhvr>
-                                      <p:to>
-                                        <p:strVal val="visible"/>
-                                      </p:to>
-                                    </p:set>
-                                  </p:childTnLst>
-                                </p:cTn>
-                              </p:par>
-                              <p:par>
-                                <p:cTn id="17" presetID="1" presetClass="entr" presetSubtype="0" fill="hold" grpId="0" nodeType="withEffect">
-                                  <p:stCondLst>
-                                    <p:cond delay="0"/>
-                                  </p:stCondLst>
-                                  <p:childTnLst>
-                                    <p:set>
-                                      <p:cBhvr>
-                                        <p:cTn id="18" dur="1" fill="hold">
-                                          <p:stCondLst>
-                                            <p:cond delay="0"/>
-                                          </p:stCondLst>
-                                        </p:cTn>
-                                        <p:tgtEl>
-                                          <p:spTgt spid="3">
-                                            <p:txEl>
-                                              <p:pRg st="5" end="5"/>
-                                            </p:txEl>
-                                          </p:spTgt>
-                                        </p:tgtEl>
-                                        <p:attrNameLst>
-                                          <p:attrName>style.visibility</p:attrName>
-                                        </p:attrNameLst>
-                                      </p:cBhvr>
-                                      <p:to>
-                                        <p:strVal val="visible"/>
-                                      </p:to>
-                                    </p:set>
-                                  </p:childTnLst>
-                                </p:cTn>
-                              </p:par>
-                            </p:childTnLst>
-                          </p:cTn>
-                        </p:par>
-                      </p:childTnLst>
-                    </p:cTn>
-                  </p:par>
-                  <p:par>
-                    <p:cTn id="19" fill="hold">
-                      <p:stCondLst>
-                        <p:cond delay="indefinite"/>
-                      </p:stCondLst>
-                      <p:childTnLst>
-                        <p:par>
-                          <p:cTn id="20" fill="hold">
-                            <p:stCondLst>
-                              <p:cond delay="0"/>
-                            </p:stCondLst>
-                            <p:childTnLst>
-                              <p:par>
-                                <p:cTn id="21" presetID="1" presetClass="entr" presetSubtype="0" fill="hold" grpId="0" nodeType="clickEffect">
-                                  <p:stCondLst>
-                                    <p:cond delay="0"/>
-                                  </p:stCondLst>
-                                  <p:childTnLst>
-                                    <p:set>
-                                      <p:cBhvr>
-                                        <p:cTn id="22" dur="1" fill="hold">
-                                          <p:stCondLst>
-                                            <p:cond delay="0"/>
-                                          </p:stCondLst>
-                                        </p:cTn>
-                                        <p:tgtEl>
-                                          <p:spTgt spid="3">
-                                            <p:txEl>
-                                              <p:pRg st="6" end="6"/>
-                                            </p:txEl>
-                                          </p:spTgt>
-                                        </p:tgtEl>
-                                        <p:attrNameLst>
-                                          <p:attrName>style.visibility</p:attrName>
-                                        </p:attrNameLst>
-                                      </p:cBhvr>
-                                      <p:to>
-                                        <p:strVal val="visible"/>
-                                      </p:to>
-                                    </p:set>
-                                  </p:childTnLst>
-                                </p:cTn>
-                              </p:par>
-                            </p:childTnLst>
-                          </p:cTn>
-                        </p:par>
-                      </p:childTnLst>
-                    </p:cTn>
-                  </p:par>
-                  <p:par>
-                    <p:cTn id="23" fill="hold">
-                      <p:stCondLst>
-                        <p:cond delay="indefinite"/>
-                      </p:stCondLst>
-                      <p:childTnLst>
-                        <p:par>
-                          <p:cTn id="24" fill="hold">
-                            <p:stCondLst>
-                              <p:cond delay="0"/>
-                            </p:stCondLst>
-                            <p:childTnLst>
-                              <p:par>
-                                <p:cTn id="25" presetID="1" presetClass="entr" presetSubtype="0" fill="hold" grpId="0" nodeType="clickEffect">
-                                  <p:stCondLst>
-                                    <p:cond delay="0"/>
-                                  </p:stCondLst>
-                                  <p:childTnLst>
-                                    <p:set>
-                                      <p:cBhvr>
-                                        <p:cTn id="26" dur="1" fill="hold">
-                                          <p:stCondLst>
-                                            <p:cond delay="0"/>
-                                          </p:stCondLst>
-                                        </p:cTn>
-                                        <p:tgtEl>
-                                          <p:spTgt spid="3">
-                                            <p:txEl>
-                                              <p:pRg st="7" end="7"/>
-                                            </p:txEl>
-                                          </p:spTgt>
-                                        </p:tgtEl>
-                                        <p:attrNameLst>
-                                          <p:attrName>style.visibility</p:attrName>
-                                        </p:attrNameLst>
-                                      </p:cBhvr>
-                                      <p:to>
-                                        <p:strVal val="visible"/>
-                                      </p:to>
-                                    </p:set>
-                                  </p:childTnLst>
-                                </p:cTn>
-                              </p:par>
-                            </p:childTnLst>
-                          </p:cTn>
-                        </p:par>
-                      </p:childTnLst>
-                    </p:cTn>
-                  </p:par>
-                  <p:par>
-                    <p:cTn id="27" fill="hold">
-                      <p:stCondLst>
-                        <p:cond delay="indefinite"/>
-                      </p:stCondLst>
-                      <p:childTnLst>
-                        <p:par>
-                          <p:cTn id="28" fill="hold">
-                            <p:stCondLst>
-                              <p:cond delay="0"/>
-                            </p:stCondLst>
-                            <p:childTnLst>
-                              <p:par>
-                                <p:cTn id="29" presetID="1" presetClass="entr" presetSubtype="0" fill="hold" grpId="0" nodeType="clickEffect">
-                                  <p:stCondLst>
-                                    <p:cond delay="0"/>
-                                  </p:stCondLst>
-                                  <p:childTnLst>
-                                    <p:set>
-                                      <p:cBhvr>
-                                        <p:cTn id="30" dur="1" fill="hold">
-                                          <p:stCondLst>
-                                            <p:cond delay="0"/>
-                                          </p:stCondLst>
-                                        </p:cTn>
-                                        <p:tgtEl>
-                                          <p:spTgt spid="3">
-                                            <p:txEl>
-                                              <p:pRg st="8" end="8"/>
-                                            </p:txEl>
-                                          </p:spTgt>
-                                        </p:tgtEl>
-                                        <p:attrNameLst>
-                                          <p:attrName>style.visibility</p:attrName>
-                                        </p:attrNameLst>
-                                      </p:cBhvr>
-                                      <p:to>
-                                        <p:strVal val="visible"/>
-                                      </p:to>
-                                    </p:set>
-                                  </p:childTnLst>
-                                </p:cTn>
-                              </p:par>
-                            </p:childTnLst>
-                          </p:cTn>
-                        </p:par>
-                      </p:childTnLst>
-                    </p:cTn>
-                  </p:par>
-                </p:childTnLst>
-              </p:cTn>
-              <p:prevCondLst>
-                <p:cond evt="onPrev" delay="0">
-                  <p:tgtEl>
-                    <p:sldTgt/>
-                  </p:tgtEl>
-                </p:cond>
-              </p:prevCondLst>
-              <p:nextCondLst>
-                <p:cond evt="onNext" delay="0">
-                  <p:tgtEl>
-                    <p:sldTgt/>
-                  </p:tgtEl>
-                </p:cond>
-              </p:nextCondLst>
-            </p:seq>
-          </p:childTnLst>
-        </p:cTn>
-      </p:par>
-    </p:tnLst>
-    <p:bldLst>
-      <p:bldP spid="3" grpId="0" uiExpand="1" build="p"/>
-    </p:bldLst>
-  </p:timing>
 </p:sld>
 </file>
 
@@ -6469,184 +5664,6 @@
   <p:clrMapOvr>
     <a:masterClrMapping/>
   </p:clrMapOvr>
-  <p:timing>
-    <p:tnLst>
-      <p:par>
-        <p:cTn id="1" dur="indefinite" restart="never" nodeType="tmRoot">
-          <p:childTnLst>
-            <p:seq concurrent="1" nextAc="seek">
-              <p:cTn id="2" dur="indefinite" nodeType="mainSeq">
-                <p:childTnLst>
-                  <p:par>
-                    <p:cTn id="3" fill="hold">
-                      <p:stCondLst>
-                        <p:cond delay="indefinite"/>
-                        <p:cond evt="onBegin" delay="0">
-                          <p:tn val="2"/>
-                        </p:cond>
-                      </p:stCondLst>
-                      <p:childTnLst>
-                        <p:par>
-                          <p:cTn id="4" fill="hold">
-                            <p:stCondLst>
-                              <p:cond delay="0"/>
-                            </p:stCondLst>
-                            <p:childTnLst>
-                              <p:par>
-                                <p:cTn id="5" presetID="1" presetClass="entr" presetSubtype="0" fill="hold" grpId="0" nodeType="withEffect">
-                                  <p:stCondLst>
-                                    <p:cond delay="0"/>
-                                  </p:stCondLst>
-                                  <p:childTnLst>
-                                    <p:set>
-                                      <p:cBhvr>
-                                        <p:cTn id="6" dur="1" fill="hold">
-                                          <p:stCondLst>
-                                            <p:cond delay="0"/>
-                                          </p:stCondLst>
-                                        </p:cTn>
-                                        <p:tgtEl>
-                                          <p:spTgt spid="3">
-                                            <p:txEl>
-                                              <p:pRg st="0" end="0"/>
-                                            </p:txEl>
-                                          </p:spTgt>
-                                        </p:tgtEl>
-                                        <p:attrNameLst>
-                                          <p:attrName>style.visibility</p:attrName>
-                                        </p:attrNameLst>
-                                      </p:cBhvr>
-                                      <p:to>
-                                        <p:strVal val="visible"/>
-                                      </p:to>
-                                    </p:set>
-                                  </p:childTnLst>
-                                </p:cTn>
-                              </p:par>
-                              <p:par>
-                                <p:cTn id="7" presetID="1" presetClass="entr" presetSubtype="0" fill="hold" grpId="0" nodeType="withEffect">
-                                  <p:stCondLst>
-                                    <p:cond delay="0"/>
-                                  </p:stCondLst>
-                                  <p:childTnLst>
-                                    <p:set>
-                                      <p:cBhvr>
-                                        <p:cTn id="8" dur="1" fill="hold">
-                                          <p:stCondLst>
-                                            <p:cond delay="0"/>
-                                          </p:stCondLst>
-                                        </p:cTn>
-                                        <p:tgtEl>
-                                          <p:spTgt spid="3">
-                                            <p:txEl>
-                                              <p:pRg st="1" end="1"/>
-                                            </p:txEl>
-                                          </p:spTgt>
-                                        </p:tgtEl>
-                                        <p:attrNameLst>
-                                          <p:attrName>style.visibility</p:attrName>
-                                        </p:attrNameLst>
-                                      </p:cBhvr>
-                                      <p:to>
-                                        <p:strVal val="visible"/>
-                                      </p:to>
-                                    </p:set>
-                                  </p:childTnLst>
-                                </p:cTn>
-                              </p:par>
-                              <p:par>
-                                <p:cTn id="9" presetID="1" presetClass="entr" presetSubtype="0" fill="hold" grpId="0" nodeType="withEffect">
-                                  <p:stCondLst>
-                                    <p:cond delay="0"/>
-                                  </p:stCondLst>
-                                  <p:childTnLst>
-                                    <p:set>
-                                      <p:cBhvr>
-                                        <p:cTn id="10" dur="1" fill="hold">
-                                          <p:stCondLst>
-                                            <p:cond delay="0"/>
-                                          </p:stCondLst>
-                                        </p:cTn>
-                                        <p:tgtEl>
-                                          <p:spTgt spid="3">
-                                            <p:txEl>
-                                              <p:pRg st="2" end="2"/>
-                                            </p:txEl>
-                                          </p:spTgt>
-                                        </p:tgtEl>
-                                        <p:attrNameLst>
-                                          <p:attrName>style.visibility</p:attrName>
-                                        </p:attrNameLst>
-                                      </p:cBhvr>
-                                      <p:to>
-                                        <p:strVal val="visible"/>
-                                      </p:to>
-                                    </p:set>
-                                  </p:childTnLst>
-                                </p:cTn>
-                              </p:par>
-                              <p:par>
-                                <p:cTn id="11" presetID="1" presetClass="entr" presetSubtype="0" fill="hold" grpId="0" nodeType="withEffect">
-                                  <p:stCondLst>
-                                    <p:cond delay="0"/>
-                                  </p:stCondLst>
-                                  <p:childTnLst>
-                                    <p:set>
-                                      <p:cBhvr>
-                                        <p:cTn id="12" dur="1" fill="hold">
-                                          <p:stCondLst>
-                                            <p:cond delay="0"/>
-                                          </p:stCondLst>
-                                        </p:cTn>
-                                        <p:tgtEl>
-                                          <p:spTgt spid="3">
-                                            <p:txEl>
-                                              <p:pRg st="3" end="3"/>
-                                            </p:txEl>
-                                          </p:spTgt>
-                                        </p:tgtEl>
-                                        <p:attrNameLst>
-                                          <p:attrName>style.visibility</p:attrName>
-                                        </p:attrNameLst>
-                                      </p:cBhvr>
-                                      <p:to>
-                                        <p:strVal val="visible"/>
-                                      </p:to>
-                                    </p:set>
-                                  </p:childTnLst>
-                                </p:cTn>
-                              </p:par>
-                            </p:childTnLst>
-                          </p:cTn>
-                        </p:par>
-                      </p:childTnLst>
-                    </p:cTn>
-                  </p:par>
-                </p:childTnLst>
-              </p:cTn>
-              <p:prevCondLst>
-                <p:cond evt="onPrev" delay="0">
-                  <p:tgtEl>
-                    <p:sldTgt/>
-                  </p:tgtEl>
-                </p:cond>
-              </p:prevCondLst>
-              <p:nextCondLst>
-                <p:cond evt="onNext" delay="0">
-                  <p:tgtEl>
-                    <p:sldTgt/>
-                  </p:tgtEl>
-                </p:cond>
-              </p:nextCondLst>
-            </p:seq>
-          </p:childTnLst>
-        </p:cTn>
-      </p:par>
-    </p:tnLst>
-    <p:bldLst>
-      <p:bldP spid="3" grpId="0" uiExpand="1" build="p"/>
-    </p:bldLst>
-  </p:timing>
 </p:sld>
 </file>
 
@@ -6937,372 +5954,6 @@
   <p:clrMapOvr>
     <a:masterClrMapping/>
   </p:clrMapOvr>
-  <p:timing>
-    <p:tnLst>
-      <p:par>
-        <p:cTn id="1" dur="indefinite" restart="never" nodeType="tmRoot">
-          <p:childTnLst>
-            <p:seq concurrent="1" nextAc="seek">
-              <p:cTn id="2" dur="indefinite" nodeType="mainSeq">
-                <p:childTnLst>
-                  <p:par>
-                    <p:cTn id="3" fill="hold">
-                      <p:stCondLst>
-                        <p:cond delay="indefinite"/>
-                      </p:stCondLst>
-                      <p:childTnLst>
-                        <p:par>
-                          <p:cTn id="4" fill="hold">
-                            <p:stCondLst>
-                              <p:cond delay="0"/>
-                            </p:stCondLst>
-                            <p:childTnLst>
-                              <p:par>
-                                <p:cTn id="5" presetID="1" presetClass="entr" presetSubtype="0" fill="hold" grpId="0" nodeType="clickEffect">
-                                  <p:stCondLst>
-                                    <p:cond delay="0"/>
-                                  </p:stCondLst>
-                                  <p:childTnLst>
-                                    <p:set>
-                                      <p:cBhvr>
-                                        <p:cTn id="6" dur="1" fill="hold">
-                                          <p:stCondLst>
-                                            <p:cond delay="0"/>
-                                          </p:stCondLst>
-                                        </p:cTn>
-                                        <p:tgtEl>
-                                          <p:spTgt spid="3">
-                                            <p:txEl>
-                                              <p:pRg st="0" end="0"/>
-                                            </p:txEl>
-                                          </p:spTgt>
-                                        </p:tgtEl>
-                                        <p:attrNameLst>
-                                          <p:attrName>style.visibility</p:attrName>
-                                        </p:attrNameLst>
-                                      </p:cBhvr>
-                                      <p:to>
-                                        <p:strVal val="visible"/>
-                                      </p:to>
-                                    </p:set>
-                                  </p:childTnLst>
-                                </p:cTn>
-                              </p:par>
-                              <p:par>
-                                <p:cTn id="7" presetID="1" presetClass="entr" presetSubtype="0" fill="hold" grpId="0" nodeType="withEffect">
-                                  <p:stCondLst>
-                                    <p:cond delay="0"/>
-                                  </p:stCondLst>
-                                  <p:childTnLst>
-                                    <p:set>
-                                      <p:cBhvr>
-                                        <p:cTn id="8" dur="1" fill="hold">
-                                          <p:stCondLst>
-                                            <p:cond delay="0"/>
-                                          </p:stCondLst>
-                                        </p:cTn>
-                                        <p:tgtEl>
-                                          <p:spTgt spid="3">
-                                            <p:txEl>
-                                              <p:pRg st="1" end="1"/>
-                                            </p:txEl>
-                                          </p:spTgt>
-                                        </p:tgtEl>
-                                        <p:attrNameLst>
-                                          <p:attrName>style.visibility</p:attrName>
-                                        </p:attrNameLst>
-                                      </p:cBhvr>
-                                      <p:to>
-                                        <p:strVal val="visible"/>
-                                      </p:to>
-                                    </p:set>
-                                  </p:childTnLst>
-                                </p:cTn>
-                              </p:par>
-                              <p:par>
-                                <p:cTn id="9" presetID="1" presetClass="entr" presetSubtype="0" fill="hold" grpId="0" nodeType="withEffect">
-                                  <p:stCondLst>
-                                    <p:cond delay="0"/>
-                                  </p:stCondLst>
-                                  <p:childTnLst>
-                                    <p:set>
-                                      <p:cBhvr>
-                                        <p:cTn id="10" dur="1" fill="hold">
-                                          <p:stCondLst>
-                                            <p:cond delay="0"/>
-                                          </p:stCondLst>
-                                        </p:cTn>
-                                        <p:tgtEl>
-                                          <p:spTgt spid="3">
-                                            <p:txEl>
-                                              <p:pRg st="2" end="2"/>
-                                            </p:txEl>
-                                          </p:spTgt>
-                                        </p:tgtEl>
-                                        <p:attrNameLst>
-                                          <p:attrName>style.visibility</p:attrName>
-                                        </p:attrNameLst>
-                                      </p:cBhvr>
-                                      <p:to>
-                                        <p:strVal val="visible"/>
-                                      </p:to>
-                                    </p:set>
-                                  </p:childTnLst>
-                                </p:cTn>
-                              </p:par>
-                              <p:par>
-                                <p:cTn id="11" presetID="1" presetClass="entr" presetSubtype="0" fill="hold" grpId="0" nodeType="withEffect">
-                                  <p:stCondLst>
-                                    <p:cond delay="0"/>
-                                  </p:stCondLst>
-                                  <p:childTnLst>
-                                    <p:set>
-                                      <p:cBhvr>
-                                        <p:cTn id="12" dur="1" fill="hold">
-                                          <p:stCondLst>
-                                            <p:cond delay="0"/>
-                                          </p:stCondLst>
-                                        </p:cTn>
-                                        <p:tgtEl>
-                                          <p:spTgt spid="3">
-                                            <p:txEl>
-                                              <p:pRg st="3" end="3"/>
-                                            </p:txEl>
-                                          </p:spTgt>
-                                        </p:tgtEl>
-                                        <p:attrNameLst>
-                                          <p:attrName>style.visibility</p:attrName>
-                                        </p:attrNameLst>
-                                      </p:cBhvr>
-                                      <p:to>
-                                        <p:strVal val="visible"/>
-                                      </p:to>
-                                    </p:set>
-                                  </p:childTnLst>
-                                </p:cTn>
-                              </p:par>
-                            </p:childTnLst>
-                          </p:cTn>
-                        </p:par>
-                      </p:childTnLst>
-                    </p:cTn>
-                  </p:par>
-                  <p:par>
-                    <p:cTn id="13" fill="hold">
-                      <p:stCondLst>
-                        <p:cond delay="indefinite"/>
-                      </p:stCondLst>
-                      <p:childTnLst>
-                        <p:par>
-                          <p:cTn id="14" fill="hold">
-                            <p:stCondLst>
-                              <p:cond delay="0"/>
-                            </p:stCondLst>
-                            <p:childTnLst>
-                              <p:par>
-                                <p:cTn id="15" presetID="1" presetClass="entr" presetSubtype="0" fill="hold" grpId="0" nodeType="clickEffect">
-                                  <p:stCondLst>
-                                    <p:cond delay="0"/>
-                                  </p:stCondLst>
-                                  <p:childTnLst>
-                                    <p:set>
-                                      <p:cBhvr>
-                                        <p:cTn id="16" dur="1" fill="hold">
-                                          <p:stCondLst>
-                                            <p:cond delay="0"/>
-                                          </p:stCondLst>
-                                        </p:cTn>
-                                        <p:tgtEl>
-                                          <p:spTgt spid="3">
-                                            <p:txEl>
-                                              <p:pRg st="4" end="4"/>
-                                            </p:txEl>
-                                          </p:spTgt>
-                                        </p:tgtEl>
-                                        <p:attrNameLst>
-                                          <p:attrName>style.visibility</p:attrName>
-                                        </p:attrNameLst>
-                                      </p:cBhvr>
-                                      <p:to>
-                                        <p:strVal val="visible"/>
-                                      </p:to>
-                                    </p:set>
-                                  </p:childTnLst>
-                                </p:cTn>
-                              </p:par>
-                              <p:par>
-                                <p:cTn id="17" presetID="1" presetClass="entr" presetSubtype="0" fill="hold" grpId="0" nodeType="withEffect">
-                                  <p:stCondLst>
-                                    <p:cond delay="0"/>
-                                  </p:stCondLst>
-                                  <p:childTnLst>
-                                    <p:set>
-                                      <p:cBhvr>
-                                        <p:cTn id="18" dur="1" fill="hold">
-                                          <p:stCondLst>
-                                            <p:cond delay="0"/>
-                                          </p:stCondLst>
-                                        </p:cTn>
-                                        <p:tgtEl>
-                                          <p:spTgt spid="3">
-                                            <p:txEl>
-                                              <p:pRg st="5" end="5"/>
-                                            </p:txEl>
-                                          </p:spTgt>
-                                        </p:tgtEl>
-                                        <p:attrNameLst>
-                                          <p:attrName>style.visibility</p:attrName>
-                                        </p:attrNameLst>
-                                      </p:cBhvr>
-                                      <p:to>
-                                        <p:strVal val="visible"/>
-                                      </p:to>
-                                    </p:set>
-                                  </p:childTnLst>
-                                </p:cTn>
-                              </p:par>
-                              <p:par>
-                                <p:cTn id="19" presetID="1" presetClass="entr" presetSubtype="0" fill="hold" grpId="0" nodeType="withEffect">
-                                  <p:stCondLst>
-                                    <p:cond delay="0"/>
-                                  </p:stCondLst>
-                                  <p:childTnLst>
-                                    <p:set>
-                                      <p:cBhvr>
-                                        <p:cTn id="20" dur="1" fill="hold">
-                                          <p:stCondLst>
-                                            <p:cond delay="0"/>
-                                          </p:stCondLst>
-                                        </p:cTn>
-                                        <p:tgtEl>
-                                          <p:spTgt spid="3">
-                                            <p:txEl>
-                                              <p:pRg st="6" end="6"/>
-                                            </p:txEl>
-                                          </p:spTgt>
-                                        </p:tgtEl>
-                                        <p:attrNameLst>
-                                          <p:attrName>style.visibility</p:attrName>
-                                        </p:attrNameLst>
-                                      </p:cBhvr>
-                                      <p:to>
-                                        <p:strVal val="visible"/>
-                                      </p:to>
-                                    </p:set>
-                                  </p:childTnLst>
-                                </p:cTn>
-                              </p:par>
-                            </p:childTnLst>
-                          </p:cTn>
-                        </p:par>
-                      </p:childTnLst>
-                    </p:cTn>
-                  </p:par>
-                  <p:par>
-                    <p:cTn id="21" fill="hold">
-                      <p:stCondLst>
-                        <p:cond delay="indefinite"/>
-                      </p:stCondLst>
-                      <p:childTnLst>
-                        <p:par>
-                          <p:cTn id="22" fill="hold">
-                            <p:stCondLst>
-                              <p:cond delay="0"/>
-                            </p:stCondLst>
-                            <p:childTnLst>
-                              <p:par>
-                                <p:cTn id="23" presetID="1" presetClass="entr" presetSubtype="0" fill="hold" grpId="0" nodeType="clickEffect">
-                                  <p:stCondLst>
-                                    <p:cond delay="0"/>
-                                  </p:stCondLst>
-                                  <p:childTnLst>
-                                    <p:set>
-                                      <p:cBhvr>
-                                        <p:cTn id="24" dur="1" fill="hold">
-                                          <p:stCondLst>
-                                            <p:cond delay="0"/>
-                                          </p:stCondLst>
-                                        </p:cTn>
-                                        <p:tgtEl>
-                                          <p:spTgt spid="3">
-                                            <p:txEl>
-                                              <p:pRg st="7" end="7"/>
-                                            </p:txEl>
-                                          </p:spTgt>
-                                        </p:tgtEl>
-                                        <p:attrNameLst>
-                                          <p:attrName>style.visibility</p:attrName>
-                                        </p:attrNameLst>
-                                      </p:cBhvr>
-                                      <p:to>
-                                        <p:strVal val="visible"/>
-                                      </p:to>
-                                    </p:set>
-                                  </p:childTnLst>
-                                </p:cTn>
-                              </p:par>
-                              <p:par>
-                                <p:cTn id="25" presetID="1" presetClass="entr" presetSubtype="0" fill="hold" grpId="0" nodeType="withEffect">
-                                  <p:stCondLst>
-                                    <p:cond delay="0"/>
-                                  </p:stCondLst>
-                                  <p:childTnLst>
-                                    <p:set>
-                                      <p:cBhvr>
-                                        <p:cTn id="26" dur="1" fill="hold">
-                                          <p:stCondLst>
-                                            <p:cond delay="0"/>
-                                          </p:stCondLst>
-                                        </p:cTn>
-                                        <p:tgtEl>
-                                          <p:spTgt spid="3">
-                                            <p:txEl>
-                                              <p:pRg st="8" end="8"/>
-                                            </p:txEl>
-                                          </p:spTgt>
-                                        </p:tgtEl>
-                                        <p:attrNameLst>
-                                          <p:attrName>style.visibility</p:attrName>
-                                        </p:attrNameLst>
-                                      </p:cBhvr>
-                                      <p:to>
-                                        <p:strVal val="visible"/>
-                                      </p:to>
-                                    </p:set>
-                                  </p:childTnLst>
-                                </p:cTn>
-                              </p:par>
-                            </p:childTnLst>
-                          </p:cTn>
-                        </p:par>
-                      </p:childTnLst>
-                    </p:cTn>
-                  </p:par>
-                </p:childTnLst>
-              </p:cTn>
-              <p:prevCondLst>
-                <p:cond evt="onPrev" delay="0">
-                  <p:tgtEl>
-                    <p:sldTgt/>
-                  </p:tgtEl>
-                </p:cond>
-              </p:prevCondLst>
-              <p:nextCondLst>
-                <p:cond evt="onNext" delay="0">
-                  <p:tgtEl>
-                    <p:sldTgt/>
-                  </p:tgtEl>
-                </p:cond>
-              </p:nextCondLst>
-            </p:seq>
-          </p:childTnLst>
-        </p:cTn>
-      </p:par>
-    </p:tnLst>
-    <p:bldLst>
-      <p:bldP spid="3" grpId="0" uiExpand="1" build="p"/>
-    </p:bldLst>
-  </p:timing>
 </p:sld>
 </file>
 
@@ -7542,220 +6193,6 @@
   <p:clrMapOvr>
     <a:masterClrMapping/>
   </p:clrMapOvr>
-  <p:timing>
-    <p:tnLst>
-      <p:par>
-        <p:cTn id="1" dur="indefinite" restart="never" nodeType="tmRoot">
-          <p:childTnLst>
-            <p:seq concurrent="1" nextAc="seek">
-              <p:cTn id="2" dur="indefinite" nodeType="mainSeq">
-                <p:childTnLst>
-                  <p:par>
-                    <p:cTn id="3" fill="hold">
-                      <p:stCondLst>
-                        <p:cond delay="indefinite"/>
-                        <p:cond evt="onBegin" delay="0">
-                          <p:tn val="2"/>
-                        </p:cond>
-                      </p:stCondLst>
-                      <p:childTnLst>
-                        <p:par>
-                          <p:cTn id="4" fill="hold">
-                            <p:stCondLst>
-                              <p:cond delay="0"/>
-                            </p:stCondLst>
-                            <p:childTnLst>
-                              <p:par>
-                                <p:cTn id="5" presetID="1" presetClass="entr" presetSubtype="0" fill="hold" grpId="0" nodeType="withEffect">
-                                  <p:stCondLst>
-                                    <p:cond delay="0"/>
-                                  </p:stCondLst>
-                                  <p:childTnLst>
-                                    <p:set>
-                                      <p:cBhvr>
-                                        <p:cTn id="6" dur="1" fill="hold">
-                                          <p:stCondLst>
-                                            <p:cond delay="0"/>
-                                          </p:stCondLst>
-                                        </p:cTn>
-                                        <p:tgtEl>
-                                          <p:spTgt spid="3">
-                                            <p:txEl>
-                                              <p:pRg st="0" end="0"/>
-                                            </p:txEl>
-                                          </p:spTgt>
-                                        </p:tgtEl>
-                                        <p:attrNameLst>
-                                          <p:attrName>style.visibility</p:attrName>
-                                        </p:attrNameLst>
-                                      </p:cBhvr>
-                                      <p:to>
-                                        <p:strVal val="visible"/>
-                                      </p:to>
-                                    </p:set>
-                                  </p:childTnLst>
-                                </p:cTn>
-                              </p:par>
-                              <p:par>
-                                <p:cTn id="7" presetID="1" presetClass="entr" presetSubtype="0" fill="hold" grpId="0" nodeType="withEffect">
-                                  <p:stCondLst>
-                                    <p:cond delay="0"/>
-                                  </p:stCondLst>
-                                  <p:childTnLst>
-                                    <p:set>
-                                      <p:cBhvr>
-                                        <p:cTn id="8" dur="1" fill="hold">
-                                          <p:stCondLst>
-                                            <p:cond delay="0"/>
-                                          </p:stCondLst>
-                                        </p:cTn>
-                                        <p:tgtEl>
-                                          <p:spTgt spid="3">
-                                            <p:txEl>
-                                              <p:pRg st="1" end="1"/>
-                                            </p:txEl>
-                                          </p:spTgt>
-                                        </p:tgtEl>
-                                        <p:attrNameLst>
-                                          <p:attrName>style.visibility</p:attrName>
-                                        </p:attrNameLst>
-                                      </p:cBhvr>
-                                      <p:to>
-                                        <p:strVal val="visible"/>
-                                      </p:to>
-                                    </p:set>
-                                  </p:childTnLst>
-                                </p:cTn>
-                              </p:par>
-                            </p:childTnLst>
-                          </p:cTn>
-                        </p:par>
-                      </p:childTnLst>
-                    </p:cTn>
-                  </p:par>
-                  <p:par>
-                    <p:cTn id="9" fill="hold">
-                      <p:stCondLst>
-                        <p:cond delay="indefinite"/>
-                      </p:stCondLst>
-                      <p:childTnLst>
-                        <p:par>
-                          <p:cTn id="10" fill="hold">
-                            <p:stCondLst>
-                              <p:cond delay="0"/>
-                            </p:stCondLst>
-                            <p:childTnLst>
-                              <p:par>
-                                <p:cTn id="11" presetID="1" presetClass="entr" presetSubtype="0" fill="hold" grpId="0" nodeType="clickEffect">
-                                  <p:stCondLst>
-                                    <p:cond delay="0"/>
-                                  </p:stCondLst>
-                                  <p:childTnLst>
-                                    <p:set>
-                                      <p:cBhvr>
-                                        <p:cTn id="12" dur="1" fill="hold">
-                                          <p:stCondLst>
-                                            <p:cond delay="0"/>
-                                          </p:stCondLst>
-                                        </p:cTn>
-                                        <p:tgtEl>
-                                          <p:spTgt spid="3">
-                                            <p:txEl>
-                                              <p:pRg st="2" end="2"/>
-                                            </p:txEl>
-                                          </p:spTgt>
-                                        </p:tgtEl>
-                                        <p:attrNameLst>
-                                          <p:attrName>style.visibility</p:attrName>
-                                        </p:attrNameLst>
-                                      </p:cBhvr>
-                                      <p:to>
-                                        <p:strVal val="visible"/>
-                                      </p:to>
-                                    </p:set>
-                                  </p:childTnLst>
-                                </p:cTn>
-                              </p:par>
-                            </p:childTnLst>
-                          </p:cTn>
-                        </p:par>
-                      </p:childTnLst>
-                    </p:cTn>
-                  </p:par>
-                  <p:par>
-                    <p:cTn id="13" fill="hold">
-                      <p:stCondLst>
-                        <p:cond delay="indefinite"/>
-                      </p:stCondLst>
-                      <p:childTnLst>
-                        <p:par>
-                          <p:cTn id="14" fill="hold">
-                            <p:stCondLst>
-                              <p:cond delay="0"/>
-                            </p:stCondLst>
-                            <p:childTnLst>
-                              <p:par>
-                                <p:cTn id="15" presetID="1" presetClass="entr" presetSubtype="0" fill="hold" grpId="0" nodeType="clickEffect">
-                                  <p:stCondLst>
-                                    <p:cond delay="0"/>
-                                  </p:stCondLst>
-                                  <p:childTnLst>
-                                    <p:set>
-                                      <p:cBhvr>
-                                        <p:cTn id="16" dur="1" fill="hold">
-                                          <p:stCondLst>
-                                            <p:cond delay="0"/>
-                                          </p:stCondLst>
-                                        </p:cTn>
-                                        <p:tgtEl>
-                                          <p:spTgt spid="3">
-                                            <p:txEl>
-                                              <p:pRg st="3" end="3"/>
-                                            </p:txEl>
-                                          </p:spTgt>
-                                        </p:tgtEl>
-                                        <p:attrNameLst>
-                                          <p:attrName>style.visibility</p:attrName>
-                                        </p:attrNameLst>
-                                      </p:cBhvr>
-                                      <p:to>
-                                        <p:strVal val="visible"/>
-                                      </p:to>
-                                    </p:set>
-                                  </p:childTnLst>
-                                </p:cTn>
-                              </p:par>
-                            </p:childTnLst>
-                          </p:cTn>
-                        </p:par>
-                      </p:childTnLst>
-                    </p:cTn>
-                  </p:par>
-                </p:childTnLst>
-              </p:cTn>
-              <p:prevCondLst>
-                <p:cond evt="onPrev" delay="0">
-                  <p:tgtEl>
-                    <p:sldTgt/>
-                  </p:tgtEl>
-                </p:cond>
-              </p:prevCondLst>
-              <p:nextCondLst>
-                <p:cond evt="onNext" delay="0">
-                  <p:tgtEl>
-                    <p:sldTgt/>
-                  </p:tgtEl>
-                </p:cond>
-              </p:nextCondLst>
-            </p:seq>
-          </p:childTnLst>
-        </p:cTn>
-      </p:par>
-    </p:tnLst>
-    <p:bldLst>
-      <p:bldP spid="3" grpId="0" uiExpand="1" build="p"/>
-    </p:bldLst>
-  </p:timing>
 </p:sld>
 </file>
 
@@ -8065,247 +6502,6 @@
   <p:clrMapOvr>
     <a:masterClrMapping/>
   </p:clrMapOvr>
-  <p:timing>
-    <p:tnLst>
-      <p:par>
-        <p:cTn id="1" dur="indefinite" restart="never" nodeType="tmRoot">
-          <p:childTnLst>
-            <p:seq concurrent="1" nextAc="seek">
-              <p:cTn id="2" dur="indefinite" nodeType="mainSeq">
-                <p:childTnLst>
-                  <p:par>
-                    <p:cTn id="3" fill="hold">
-                      <p:stCondLst>
-                        <p:cond delay="indefinite"/>
-                        <p:cond evt="onBegin" delay="0">
-                          <p:tn val="2"/>
-                        </p:cond>
-                      </p:stCondLst>
-                      <p:childTnLst>
-                        <p:par>
-                          <p:cTn id="4" fill="hold">
-                            <p:stCondLst>
-                              <p:cond delay="0"/>
-                            </p:stCondLst>
-                            <p:childTnLst>
-                              <p:par>
-                                <p:cTn id="5" presetID="1" presetClass="entr" presetSubtype="0" fill="hold" grpId="0" nodeType="withEffect">
-                                  <p:stCondLst>
-                                    <p:cond delay="0"/>
-                                  </p:stCondLst>
-                                  <p:childTnLst>
-                                    <p:set>
-                                      <p:cBhvr>
-                                        <p:cTn id="6" dur="1" fill="hold">
-                                          <p:stCondLst>
-                                            <p:cond delay="0"/>
-                                          </p:stCondLst>
-                                        </p:cTn>
-                                        <p:tgtEl>
-                                          <p:spTgt spid="3">
-                                            <p:txEl>
-                                              <p:pRg st="0" end="0"/>
-                                            </p:txEl>
-                                          </p:spTgt>
-                                        </p:tgtEl>
-                                        <p:attrNameLst>
-                                          <p:attrName>style.visibility</p:attrName>
-                                        </p:attrNameLst>
-                                      </p:cBhvr>
-                                      <p:to>
-                                        <p:strVal val="visible"/>
-                                      </p:to>
-                                    </p:set>
-                                  </p:childTnLst>
-                                </p:cTn>
-                              </p:par>
-                              <p:par>
-                                <p:cTn id="7" presetID="1" presetClass="entr" presetSubtype="0" fill="hold" grpId="0" nodeType="withEffect">
-                                  <p:stCondLst>
-                                    <p:cond delay="0"/>
-                                  </p:stCondLst>
-                                  <p:childTnLst>
-                                    <p:set>
-                                      <p:cBhvr>
-                                        <p:cTn id="8" dur="1" fill="hold">
-                                          <p:stCondLst>
-                                            <p:cond delay="0"/>
-                                          </p:stCondLst>
-                                        </p:cTn>
-                                        <p:tgtEl>
-                                          <p:spTgt spid="3">
-                                            <p:txEl>
-                                              <p:pRg st="1" end="1"/>
-                                            </p:txEl>
-                                          </p:spTgt>
-                                        </p:tgtEl>
-                                        <p:attrNameLst>
-                                          <p:attrName>style.visibility</p:attrName>
-                                        </p:attrNameLst>
-                                      </p:cBhvr>
-                                      <p:to>
-                                        <p:strVal val="visible"/>
-                                      </p:to>
-                                    </p:set>
-                                  </p:childTnLst>
-                                </p:cTn>
-                              </p:par>
-                            </p:childTnLst>
-                          </p:cTn>
-                        </p:par>
-                      </p:childTnLst>
-                    </p:cTn>
-                  </p:par>
-                  <p:par>
-                    <p:cTn id="9" fill="hold">
-                      <p:stCondLst>
-                        <p:cond delay="indefinite"/>
-                      </p:stCondLst>
-                      <p:childTnLst>
-                        <p:par>
-                          <p:cTn id="10" fill="hold">
-                            <p:stCondLst>
-                              <p:cond delay="0"/>
-                            </p:stCondLst>
-                            <p:childTnLst>
-                              <p:par>
-                                <p:cTn id="11" presetID="1" presetClass="entr" presetSubtype="0" fill="hold" grpId="0" nodeType="clickEffect">
-                                  <p:stCondLst>
-                                    <p:cond delay="0"/>
-                                  </p:stCondLst>
-                                  <p:childTnLst>
-                                    <p:set>
-                                      <p:cBhvr>
-                                        <p:cTn id="12" dur="1" fill="hold">
-                                          <p:stCondLst>
-                                            <p:cond delay="0"/>
-                                          </p:stCondLst>
-                                        </p:cTn>
-                                        <p:tgtEl>
-                                          <p:spTgt spid="3">
-                                            <p:txEl>
-                                              <p:pRg st="2" end="2"/>
-                                            </p:txEl>
-                                          </p:spTgt>
-                                        </p:tgtEl>
-                                        <p:attrNameLst>
-                                          <p:attrName>style.visibility</p:attrName>
-                                        </p:attrNameLst>
-                                      </p:cBhvr>
-                                      <p:to>
-                                        <p:strVal val="visible"/>
-                                      </p:to>
-                                    </p:set>
-                                  </p:childTnLst>
-                                </p:cTn>
-                              </p:par>
-                            </p:childTnLst>
-                          </p:cTn>
-                        </p:par>
-                      </p:childTnLst>
-                    </p:cTn>
-                  </p:par>
-                  <p:par>
-                    <p:cTn id="13" fill="hold">
-                      <p:stCondLst>
-                        <p:cond delay="indefinite"/>
-                      </p:stCondLst>
-                      <p:childTnLst>
-                        <p:par>
-                          <p:cTn id="14" fill="hold">
-                            <p:stCondLst>
-                              <p:cond delay="0"/>
-                            </p:stCondLst>
-                            <p:childTnLst>
-                              <p:par>
-                                <p:cTn id="15" presetID="1" presetClass="entr" presetSubtype="0" fill="hold" grpId="0" nodeType="clickEffect">
-                                  <p:stCondLst>
-                                    <p:cond delay="0"/>
-                                  </p:stCondLst>
-                                  <p:childTnLst>
-                                    <p:set>
-                                      <p:cBhvr>
-                                        <p:cTn id="16" dur="1" fill="hold">
-                                          <p:stCondLst>
-                                            <p:cond delay="0"/>
-                                          </p:stCondLst>
-                                        </p:cTn>
-                                        <p:tgtEl>
-                                          <p:spTgt spid="3">
-                                            <p:txEl>
-                                              <p:pRg st="3" end="3"/>
-                                            </p:txEl>
-                                          </p:spTgt>
-                                        </p:tgtEl>
-                                        <p:attrNameLst>
-                                          <p:attrName>style.visibility</p:attrName>
-                                        </p:attrNameLst>
-                                      </p:cBhvr>
-                                      <p:to>
-                                        <p:strVal val="visible"/>
-                                      </p:to>
-                                    </p:set>
-                                  </p:childTnLst>
-                                </p:cTn>
-                              </p:par>
-                              <p:par>
-                                <p:cTn id="17" presetID="1" presetClass="entr" presetSubtype="0" fill="hold" nodeType="withEffect">
-                                  <p:stCondLst>
-                                    <p:cond delay="0"/>
-                                  </p:stCondLst>
-                                  <p:childTnLst>
-                                    <p:set>
-                                      <p:cBhvr>
-                                        <p:cTn id="18" dur="1" fill="hold">
-                                          <p:stCondLst>
-                                            <p:cond delay="0"/>
-                                          </p:stCondLst>
-                                        </p:cTn>
-                                        <p:tgtEl>
-                                          <p:spTgt spid="14"/>
-                                        </p:tgtEl>
-                                        <p:attrNameLst>
-                                          <p:attrName>style.visibility</p:attrName>
-                                        </p:attrNameLst>
-                                      </p:cBhvr>
-                                      <p:to>
-                                        <p:strVal val="visible"/>
-                                      </p:to>
-                                    </p:set>
-                                  </p:childTnLst>
-                                </p:cTn>
-                              </p:par>
-                            </p:childTnLst>
-                          </p:cTn>
-                        </p:par>
-                      </p:childTnLst>
-                    </p:cTn>
-                  </p:par>
-                </p:childTnLst>
-              </p:cTn>
-              <p:prevCondLst>
-                <p:cond evt="onPrev" delay="0">
-                  <p:tgtEl>
-                    <p:sldTgt/>
-                  </p:tgtEl>
-                </p:cond>
-              </p:prevCondLst>
-              <p:nextCondLst>
-                <p:cond evt="onNext" delay="0">
-                  <p:tgtEl>
-                    <p:sldTgt/>
-                  </p:tgtEl>
-                </p:cond>
-              </p:nextCondLst>
-            </p:seq>
-          </p:childTnLst>
-        </p:cTn>
-      </p:par>
-    </p:tnLst>
-    <p:bldLst>
-      <p:bldP spid="3" grpId="0" uiExpand="1" build="p"/>
-    </p:bldLst>
-  </p:timing>
 </p:sld>
 </file>
 
@@ -8637,293 +6833,6 @@
   <p:clrMapOvr>
     <a:masterClrMapping/>
   </p:clrMapOvr>
-  <p:timing>
-    <p:tnLst>
-      <p:par>
-        <p:cTn id="1" dur="indefinite" restart="never" nodeType="tmRoot">
-          <p:childTnLst>
-            <p:seq concurrent="1" nextAc="seek">
-              <p:cTn id="2" dur="indefinite" nodeType="mainSeq">
-                <p:childTnLst>
-                  <p:par>
-                    <p:cTn id="3" fill="hold">
-                      <p:stCondLst>
-                        <p:cond delay="indefinite"/>
-                        <p:cond evt="onBegin" delay="0">
-                          <p:tn val="2"/>
-                        </p:cond>
-                      </p:stCondLst>
-                      <p:childTnLst>
-                        <p:par>
-                          <p:cTn id="4" fill="hold">
-                            <p:stCondLst>
-                              <p:cond delay="0"/>
-                            </p:stCondLst>
-                            <p:childTnLst>
-                              <p:par>
-                                <p:cTn id="5" presetID="1" presetClass="entr" presetSubtype="0" fill="hold" nodeType="withEffect">
-                                  <p:stCondLst>
-                                    <p:cond delay="0"/>
-                                  </p:stCondLst>
-                                  <p:childTnLst>
-                                    <p:set>
-                                      <p:cBhvr>
-                                        <p:cTn id="6" dur="1" fill="hold">
-                                          <p:stCondLst>
-                                            <p:cond delay="0"/>
-                                          </p:stCondLst>
-                                        </p:cTn>
-                                        <p:tgtEl>
-                                          <p:spTgt spid="3">
-                                            <p:txEl>
-                                              <p:pRg st="0" end="0"/>
-                                            </p:txEl>
-                                          </p:spTgt>
-                                        </p:tgtEl>
-                                        <p:attrNameLst>
-                                          <p:attrName>style.visibility</p:attrName>
-                                        </p:attrNameLst>
-                                      </p:cBhvr>
-                                      <p:to>
-                                        <p:strVal val="visible"/>
-                                      </p:to>
-                                    </p:set>
-                                  </p:childTnLst>
-                                </p:cTn>
-                              </p:par>
-                              <p:par>
-                                <p:cTn id="7" presetID="1" presetClass="entr" presetSubtype="0" fill="hold" nodeType="withEffect">
-                                  <p:stCondLst>
-                                    <p:cond delay="0"/>
-                                  </p:stCondLst>
-                                  <p:childTnLst>
-                                    <p:set>
-                                      <p:cBhvr>
-                                        <p:cTn id="8" dur="1" fill="hold">
-                                          <p:stCondLst>
-                                            <p:cond delay="0"/>
-                                          </p:stCondLst>
-                                        </p:cTn>
-                                        <p:tgtEl>
-                                          <p:spTgt spid="3">
-                                            <p:txEl>
-                                              <p:pRg st="1" end="1"/>
-                                            </p:txEl>
-                                          </p:spTgt>
-                                        </p:tgtEl>
-                                        <p:attrNameLst>
-                                          <p:attrName>style.visibility</p:attrName>
-                                        </p:attrNameLst>
-                                      </p:cBhvr>
-                                      <p:to>
-                                        <p:strVal val="visible"/>
-                                      </p:to>
-                                    </p:set>
-                                  </p:childTnLst>
-                                </p:cTn>
-                              </p:par>
-                            </p:childTnLst>
-                          </p:cTn>
-                        </p:par>
-                      </p:childTnLst>
-                    </p:cTn>
-                  </p:par>
-                  <p:par>
-                    <p:cTn id="9" fill="hold">
-                      <p:stCondLst>
-                        <p:cond delay="indefinite"/>
-                      </p:stCondLst>
-                      <p:childTnLst>
-                        <p:par>
-                          <p:cTn id="10" fill="hold">
-                            <p:stCondLst>
-                              <p:cond delay="0"/>
-                            </p:stCondLst>
-                            <p:childTnLst>
-                              <p:par>
-                                <p:cTn id="11" presetID="1" presetClass="entr" presetSubtype="0" fill="hold" nodeType="clickEffect">
-                                  <p:stCondLst>
-                                    <p:cond delay="0"/>
-                                  </p:stCondLst>
-                                  <p:childTnLst>
-                                    <p:set>
-                                      <p:cBhvr>
-                                        <p:cTn id="12" dur="1" fill="hold">
-                                          <p:stCondLst>
-                                            <p:cond delay="0"/>
-                                          </p:stCondLst>
-                                        </p:cTn>
-                                        <p:tgtEl>
-                                          <p:spTgt spid="3">
-                                            <p:txEl>
-                                              <p:pRg st="2" end="2"/>
-                                            </p:txEl>
-                                          </p:spTgt>
-                                        </p:tgtEl>
-                                        <p:attrNameLst>
-                                          <p:attrName>style.visibility</p:attrName>
-                                        </p:attrNameLst>
-                                      </p:cBhvr>
-                                      <p:to>
-                                        <p:strVal val="visible"/>
-                                      </p:to>
-                                    </p:set>
-                                  </p:childTnLst>
-                                </p:cTn>
-                              </p:par>
-                              <p:par>
-                                <p:cTn id="13" presetID="1" presetClass="entr" presetSubtype="0" fill="hold" nodeType="withEffect">
-                                  <p:stCondLst>
-                                    <p:cond delay="0"/>
-                                  </p:stCondLst>
-                                  <p:childTnLst>
-                                    <p:set>
-                                      <p:cBhvr>
-                                        <p:cTn id="14" dur="1" fill="hold">
-                                          <p:stCondLst>
-                                            <p:cond delay="0"/>
-                                          </p:stCondLst>
-                                        </p:cTn>
-                                        <p:tgtEl>
-                                          <p:spTgt spid="6"/>
-                                        </p:tgtEl>
-                                        <p:attrNameLst>
-                                          <p:attrName>style.visibility</p:attrName>
-                                        </p:attrNameLst>
-                                      </p:cBhvr>
-                                      <p:to>
-                                        <p:strVal val="visible"/>
-                                      </p:to>
-                                    </p:set>
-                                  </p:childTnLst>
-                                </p:cTn>
-                              </p:par>
-                            </p:childTnLst>
-                          </p:cTn>
-                        </p:par>
-                      </p:childTnLst>
-                    </p:cTn>
-                  </p:par>
-                  <p:par>
-                    <p:cTn id="15" fill="hold">
-                      <p:stCondLst>
-                        <p:cond delay="indefinite"/>
-                      </p:stCondLst>
-                      <p:childTnLst>
-                        <p:par>
-                          <p:cTn id="16" fill="hold">
-                            <p:stCondLst>
-                              <p:cond delay="0"/>
-                            </p:stCondLst>
-                            <p:childTnLst>
-                              <p:par>
-                                <p:cTn id="17" presetID="1" presetClass="entr" presetSubtype="0" fill="hold" nodeType="clickEffect">
-                                  <p:stCondLst>
-                                    <p:cond delay="0"/>
-                                  </p:stCondLst>
-                                  <p:childTnLst>
-                                    <p:set>
-                                      <p:cBhvr>
-                                        <p:cTn id="18" dur="1" fill="hold">
-                                          <p:stCondLst>
-                                            <p:cond delay="0"/>
-                                          </p:stCondLst>
-                                        </p:cTn>
-                                        <p:tgtEl>
-                                          <p:spTgt spid="3">
-                                            <p:txEl>
-                                              <p:pRg st="3" end="3"/>
-                                            </p:txEl>
-                                          </p:spTgt>
-                                        </p:tgtEl>
-                                        <p:attrNameLst>
-                                          <p:attrName>style.visibility</p:attrName>
-                                        </p:attrNameLst>
-                                      </p:cBhvr>
-                                      <p:to>
-                                        <p:strVal val="visible"/>
-                                      </p:to>
-                                    </p:set>
-                                  </p:childTnLst>
-                                </p:cTn>
-                              </p:par>
-                            </p:childTnLst>
-                          </p:cTn>
-                        </p:par>
-                      </p:childTnLst>
-                    </p:cTn>
-                  </p:par>
-                  <p:par>
-                    <p:cTn id="19" fill="hold">
-                      <p:stCondLst>
-                        <p:cond delay="indefinite"/>
-                      </p:stCondLst>
-                      <p:childTnLst>
-                        <p:par>
-                          <p:cTn id="20" fill="hold">
-                            <p:stCondLst>
-                              <p:cond delay="0"/>
-                            </p:stCondLst>
-                            <p:childTnLst>
-                              <p:par>
-                                <p:cTn id="21" presetID="1" presetClass="entr" presetSubtype="0" fill="hold" nodeType="clickEffect">
-                                  <p:stCondLst>
-                                    <p:cond delay="0"/>
-                                  </p:stCondLst>
-                                  <p:childTnLst>
-                                    <p:set>
-                                      <p:cBhvr>
-                                        <p:cTn id="22" dur="1" fill="hold">
-                                          <p:stCondLst>
-                                            <p:cond delay="0"/>
-                                          </p:stCondLst>
-                                        </p:cTn>
-                                        <p:tgtEl>
-                                          <p:spTgt spid="3">
-                                            <p:txEl>
-                                              <p:pRg st="4" end="4"/>
-                                            </p:txEl>
-                                          </p:spTgt>
-                                        </p:tgtEl>
-                                        <p:attrNameLst>
-                                          <p:attrName>style.visibility</p:attrName>
-                                        </p:attrNameLst>
-                                      </p:cBhvr>
-                                      <p:to>
-                                        <p:strVal val="visible"/>
-                                      </p:to>
-                                    </p:set>
-                                  </p:childTnLst>
-                                </p:cTn>
-                              </p:par>
-                            </p:childTnLst>
-                          </p:cTn>
-                        </p:par>
-                      </p:childTnLst>
-                    </p:cTn>
-                  </p:par>
-                </p:childTnLst>
-              </p:cTn>
-              <p:prevCondLst>
-                <p:cond evt="onPrev" delay="0">
-                  <p:tgtEl>
-                    <p:sldTgt/>
-                  </p:tgtEl>
-                </p:cond>
-              </p:prevCondLst>
-              <p:nextCondLst>
-                <p:cond evt="onNext" delay="0">
-                  <p:tgtEl>
-                    <p:sldTgt/>
-                  </p:tgtEl>
-                </p:cond>
-              </p:nextCondLst>
-            </p:seq>
-          </p:childTnLst>
-        </p:cTn>
-      </p:par>
-    </p:tnLst>
-  </p:timing>
 </p:sld>
 </file>
 
@@ -9781,149 +7690,6 @@
   <p:clrMapOvr>
     <a:masterClrMapping/>
   </p:clrMapOvr>
-  <p:timing>
-    <p:tnLst>
-      <p:par>
-        <p:cTn id="1" dur="indefinite" restart="never" nodeType="tmRoot">
-          <p:childTnLst>
-            <p:seq concurrent="1" nextAc="seek">
-              <p:cTn id="2" dur="indefinite" nodeType="mainSeq">
-                <p:childTnLst>
-                  <p:par>
-                    <p:cTn id="3" fill="hold">
-                      <p:stCondLst>
-                        <p:cond delay="indefinite"/>
-                        <p:cond evt="onBegin" delay="0">
-                          <p:tn val="2"/>
-                        </p:cond>
-                      </p:stCondLst>
-                      <p:childTnLst>
-                        <p:par>
-                          <p:cTn id="4" fill="hold">
-                            <p:stCondLst>
-                              <p:cond delay="0"/>
-                            </p:stCondLst>
-                            <p:childTnLst>
-                              <p:par>
-                                <p:cTn id="5" presetID="1" presetClass="entr" presetSubtype="0" fill="hold" grpId="0" nodeType="withEffect">
-                                  <p:stCondLst>
-                                    <p:cond delay="0"/>
-                                  </p:stCondLst>
-                                  <p:childTnLst>
-                                    <p:set>
-                                      <p:cBhvr>
-                                        <p:cTn id="6" dur="1" fill="hold">
-                                          <p:stCondLst>
-                                            <p:cond delay="0"/>
-                                          </p:stCondLst>
-                                        </p:cTn>
-                                        <p:tgtEl>
-                                          <p:spTgt spid="3">
-                                            <p:txEl>
-                                              <p:pRg st="0" end="0"/>
-                                            </p:txEl>
-                                          </p:spTgt>
-                                        </p:tgtEl>
-                                        <p:attrNameLst>
-                                          <p:attrName>style.visibility</p:attrName>
-                                        </p:attrNameLst>
-                                      </p:cBhvr>
-                                      <p:to>
-                                        <p:strVal val="visible"/>
-                                      </p:to>
-                                    </p:set>
-                                  </p:childTnLst>
-                                </p:cTn>
-                              </p:par>
-                              <p:par>
-                                <p:cTn id="7" presetID="1" presetClass="entr" presetSubtype="0" fill="hold" grpId="0" nodeType="withEffect">
-                                  <p:stCondLst>
-                                    <p:cond delay="0"/>
-                                  </p:stCondLst>
-                                  <p:childTnLst>
-                                    <p:set>
-                                      <p:cBhvr>
-                                        <p:cTn id="8" dur="1" fill="hold">
-                                          <p:stCondLst>
-                                            <p:cond delay="0"/>
-                                          </p:stCondLst>
-                                        </p:cTn>
-                                        <p:tgtEl>
-                                          <p:spTgt spid="3">
-                                            <p:txEl>
-                                              <p:pRg st="1" end="1"/>
-                                            </p:txEl>
-                                          </p:spTgt>
-                                        </p:tgtEl>
-                                        <p:attrNameLst>
-                                          <p:attrName>style.visibility</p:attrName>
-                                        </p:attrNameLst>
-                                      </p:cBhvr>
-                                      <p:to>
-                                        <p:strVal val="visible"/>
-                                      </p:to>
-                                    </p:set>
-                                  </p:childTnLst>
-                                </p:cTn>
-                              </p:par>
-                              <p:par>
-                                <p:cTn id="9" presetID="1" presetClass="entr" presetSubtype="0" fill="hold" nodeType="withEffect">
-                                  <p:stCondLst>
-                                    <p:cond delay="0"/>
-                                  </p:stCondLst>
-                                  <p:childTnLst>
-                                    <p:set>
-                                      <p:cBhvr>
-                                        <p:cTn id="10" dur="1" fill="hold">
-                                          <p:stCondLst>
-                                            <p:cond delay="0"/>
-                                          </p:stCondLst>
-                                        </p:cTn>
-                                        <p:tgtEl>
-                                          <p:spTgt spid="4"/>
-                                        </p:tgtEl>
-                                        <p:attrNameLst>
-                                          <p:attrName>style.visibility</p:attrName>
-                                        </p:attrNameLst>
-                                      </p:cBhvr>
-                                      <p:to>
-                                        <p:strVal val="visible"/>
-                                      </p:to>
-                                    </p:set>
-                                  </p:childTnLst>
-                                </p:cTn>
-                              </p:par>
-                            </p:childTnLst>
-                          </p:cTn>
-                        </p:par>
-                      </p:childTnLst>
-                    </p:cTn>
-                  </p:par>
-                </p:childTnLst>
-              </p:cTn>
-              <p:prevCondLst>
-                <p:cond evt="onPrev" delay="0">
-                  <p:tgtEl>
-                    <p:sldTgt/>
-                  </p:tgtEl>
-                </p:cond>
-              </p:prevCondLst>
-              <p:nextCondLst>
-                <p:cond evt="onNext" delay="0">
-                  <p:tgtEl>
-                    <p:sldTgt/>
-                  </p:tgtEl>
-                </p:cond>
-              </p:nextCondLst>
-            </p:seq>
-          </p:childTnLst>
-        </p:cTn>
-      </p:par>
-    </p:tnLst>
-    <p:bldLst>
-      <p:bldP spid="3" grpId="0" uiExpand="1" build="p"/>
-    </p:bldLst>
-  </p:timing>
 </p:sld>
 </file>
 
@@ -11205,149 +8971,6 @@
   <p:clrMapOvr>
     <a:masterClrMapping/>
   </p:clrMapOvr>
-  <p:timing>
-    <p:tnLst>
-      <p:par>
-        <p:cTn id="1" dur="indefinite" restart="never" nodeType="tmRoot">
-          <p:childTnLst>
-            <p:seq concurrent="1" nextAc="seek">
-              <p:cTn id="2" dur="indefinite" nodeType="mainSeq">
-                <p:childTnLst>
-                  <p:par>
-                    <p:cTn id="3" fill="hold">
-                      <p:stCondLst>
-                        <p:cond delay="indefinite"/>
-                        <p:cond evt="onBegin" delay="0">
-                          <p:tn val="2"/>
-                        </p:cond>
-                      </p:stCondLst>
-                      <p:childTnLst>
-                        <p:par>
-                          <p:cTn id="4" fill="hold">
-                            <p:stCondLst>
-                              <p:cond delay="0"/>
-                            </p:stCondLst>
-                            <p:childTnLst>
-                              <p:par>
-                                <p:cTn id="5" presetID="1" presetClass="entr" presetSubtype="0" fill="hold" grpId="0" nodeType="withEffect">
-                                  <p:stCondLst>
-                                    <p:cond delay="0"/>
-                                  </p:stCondLst>
-                                  <p:childTnLst>
-                                    <p:set>
-                                      <p:cBhvr>
-                                        <p:cTn id="6" dur="1" fill="hold">
-                                          <p:stCondLst>
-                                            <p:cond delay="0"/>
-                                          </p:stCondLst>
-                                        </p:cTn>
-                                        <p:tgtEl>
-                                          <p:spTgt spid="3">
-                                            <p:txEl>
-                                              <p:pRg st="0" end="0"/>
-                                            </p:txEl>
-                                          </p:spTgt>
-                                        </p:tgtEl>
-                                        <p:attrNameLst>
-                                          <p:attrName>style.visibility</p:attrName>
-                                        </p:attrNameLst>
-                                      </p:cBhvr>
-                                      <p:to>
-                                        <p:strVal val="visible"/>
-                                      </p:to>
-                                    </p:set>
-                                  </p:childTnLst>
-                                </p:cTn>
-                              </p:par>
-                              <p:par>
-                                <p:cTn id="7" presetID="1" presetClass="entr" presetSubtype="0" fill="hold" grpId="0" nodeType="withEffect">
-                                  <p:stCondLst>
-                                    <p:cond delay="0"/>
-                                  </p:stCondLst>
-                                  <p:childTnLst>
-                                    <p:set>
-                                      <p:cBhvr>
-                                        <p:cTn id="8" dur="1" fill="hold">
-                                          <p:stCondLst>
-                                            <p:cond delay="0"/>
-                                          </p:stCondLst>
-                                        </p:cTn>
-                                        <p:tgtEl>
-                                          <p:spTgt spid="3">
-                                            <p:txEl>
-                                              <p:pRg st="1" end="1"/>
-                                            </p:txEl>
-                                          </p:spTgt>
-                                        </p:tgtEl>
-                                        <p:attrNameLst>
-                                          <p:attrName>style.visibility</p:attrName>
-                                        </p:attrNameLst>
-                                      </p:cBhvr>
-                                      <p:to>
-                                        <p:strVal val="visible"/>
-                                      </p:to>
-                                    </p:set>
-                                  </p:childTnLst>
-                                </p:cTn>
-                              </p:par>
-                              <p:par>
-                                <p:cTn id="9" presetID="1" presetClass="entr" presetSubtype="0" fill="hold" nodeType="withEffect">
-                                  <p:stCondLst>
-                                    <p:cond delay="0"/>
-                                  </p:stCondLst>
-                                  <p:childTnLst>
-                                    <p:set>
-                                      <p:cBhvr>
-                                        <p:cTn id="10" dur="1" fill="hold">
-                                          <p:stCondLst>
-                                            <p:cond delay="0"/>
-                                          </p:stCondLst>
-                                        </p:cTn>
-                                        <p:tgtEl>
-                                          <p:spTgt spid="4"/>
-                                        </p:tgtEl>
-                                        <p:attrNameLst>
-                                          <p:attrName>style.visibility</p:attrName>
-                                        </p:attrNameLst>
-                                      </p:cBhvr>
-                                      <p:to>
-                                        <p:strVal val="visible"/>
-                                      </p:to>
-                                    </p:set>
-                                  </p:childTnLst>
-                                </p:cTn>
-                              </p:par>
-                            </p:childTnLst>
-                          </p:cTn>
-                        </p:par>
-                      </p:childTnLst>
-                    </p:cTn>
-                  </p:par>
-                </p:childTnLst>
-              </p:cTn>
-              <p:prevCondLst>
-                <p:cond evt="onPrev" delay="0">
-                  <p:tgtEl>
-                    <p:sldTgt/>
-                  </p:tgtEl>
-                </p:cond>
-              </p:prevCondLst>
-              <p:nextCondLst>
-                <p:cond evt="onNext" delay="0">
-                  <p:tgtEl>
-                    <p:sldTgt/>
-                  </p:tgtEl>
-                </p:cond>
-              </p:nextCondLst>
-            </p:seq>
-          </p:childTnLst>
-        </p:cTn>
-      </p:par>
-    </p:tnLst>
-    <p:bldLst>
-      <p:bldP spid="3" grpId="0" uiExpand="1" build="p"/>
-    </p:bldLst>
-  </p:timing>
 </p:sld>
 </file>
 
@@ -11564,317 +9187,6 @@
   <p:clrMapOvr>
     <a:masterClrMapping/>
   </p:clrMapOvr>
-  <p:timing>
-    <p:tnLst>
-      <p:par>
-        <p:cTn id="1" dur="indefinite" restart="never" nodeType="tmRoot">
-          <p:childTnLst>
-            <p:seq concurrent="1" nextAc="seek">
-              <p:cTn id="2" dur="indefinite" nodeType="mainSeq">
-                <p:childTnLst>
-                  <p:par>
-                    <p:cTn id="3" fill="hold">
-                      <p:stCondLst>
-                        <p:cond delay="indefinite"/>
-                        <p:cond evt="onBegin" delay="0">
-                          <p:tn val="2"/>
-                        </p:cond>
-                      </p:stCondLst>
-                      <p:childTnLst>
-                        <p:par>
-                          <p:cTn id="4" fill="hold">
-                            <p:stCondLst>
-                              <p:cond delay="0"/>
-                            </p:stCondLst>
-                            <p:childTnLst>
-                              <p:par>
-                                <p:cTn id="5" presetID="1" presetClass="entr" presetSubtype="0" fill="hold" grpId="0" nodeType="withEffect">
-                                  <p:stCondLst>
-                                    <p:cond delay="0"/>
-                                  </p:stCondLst>
-                                  <p:childTnLst>
-                                    <p:set>
-                                      <p:cBhvr>
-                                        <p:cTn id="6" dur="1" fill="hold">
-                                          <p:stCondLst>
-                                            <p:cond delay="0"/>
-                                          </p:stCondLst>
-                                        </p:cTn>
-                                        <p:tgtEl>
-                                          <p:spTgt spid="3">
-                                            <p:txEl>
-                                              <p:pRg st="0" end="0"/>
-                                            </p:txEl>
-                                          </p:spTgt>
-                                        </p:tgtEl>
-                                        <p:attrNameLst>
-                                          <p:attrName>style.visibility</p:attrName>
-                                        </p:attrNameLst>
-                                      </p:cBhvr>
-                                      <p:to>
-                                        <p:strVal val="visible"/>
-                                      </p:to>
-                                    </p:set>
-                                  </p:childTnLst>
-                                </p:cTn>
-                              </p:par>
-                              <p:par>
-                                <p:cTn id="7" presetID="1" presetClass="entr" presetSubtype="0" fill="hold" grpId="0" nodeType="withEffect">
-                                  <p:stCondLst>
-                                    <p:cond delay="0"/>
-                                  </p:stCondLst>
-                                  <p:childTnLst>
-                                    <p:set>
-                                      <p:cBhvr>
-                                        <p:cTn id="8" dur="1" fill="hold">
-                                          <p:stCondLst>
-                                            <p:cond delay="0"/>
-                                          </p:stCondLst>
-                                        </p:cTn>
-                                        <p:tgtEl>
-                                          <p:spTgt spid="3">
-                                            <p:txEl>
-                                              <p:pRg st="1" end="1"/>
-                                            </p:txEl>
-                                          </p:spTgt>
-                                        </p:tgtEl>
-                                        <p:attrNameLst>
-                                          <p:attrName>style.visibility</p:attrName>
-                                        </p:attrNameLst>
-                                      </p:cBhvr>
-                                      <p:to>
-                                        <p:strVal val="visible"/>
-                                      </p:to>
-                                    </p:set>
-                                  </p:childTnLst>
-                                </p:cTn>
-                              </p:par>
-                              <p:par>
-                                <p:cTn id="9" presetID="1" presetClass="entr" presetSubtype="0" fill="hold" grpId="0" nodeType="withEffect">
-                                  <p:stCondLst>
-                                    <p:cond delay="0"/>
-                                  </p:stCondLst>
-                                  <p:childTnLst>
-                                    <p:set>
-                                      <p:cBhvr>
-                                        <p:cTn id="10" dur="1" fill="hold">
-                                          <p:stCondLst>
-                                            <p:cond delay="0"/>
-                                          </p:stCondLst>
-                                        </p:cTn>
-                                        <p:tgtEl>
-                                          <p:spTgt spid="3">
-                                            <p:txEl>
-                                              <p:pRg st="2" end="2"/>
-                                            </p:txEl>
-                                          </p:spTgt>
-                                        </p:tgtEl>
-                                        <p:attrNameLst>
-                                          <p:attrName>style.visibility</p:attrName>
-                                        </p:attrNameLst>
-                                      </p:cBhvr>
-                                      <p:to>
-                                        <p:strVal val="visible"/>
-                                      </p:to>
-                                    </p:set>
-                                  </p:childTnLst>
-                                </p:cTn>
-                              </p:par>
-                              <p:par>
-                                <p:cTn id="11" presetID="1" presetClass="entr" presetSubtype="0" fill="hold" grpId="0" nodeType="withEffect">
-                                  <p:stCondLst>
-                                    <p:cond delay="0"/>
-                                  </p:stCondLst>
-                                  <p:childTnLst>
-                                    <p:set>
-                                      <p:cBhvr>
-                                        <p:cTn id="12" dur="1" fill="hold">
-                                          <p:stCondLst>
-                                            <p:cond delay="0"/>
-                                          </p:stCondLst>
-                                        </p:cTn>
-                                        <p:tgtEl>
-                                          <p:spTgt spid="3">
-                                            <p:txEl>
-                                              <p:pRg st="3" end="3"/>
-                                            </p:txEl>
-                                          </p:spTgt>
-                                        </p:tgtEl>
-                                        <p:attrNameLst>
-                                          <p:attrName>style.visibility</p:attrName>
-                                        </p:attrNameLst>
-                                      </p:cBhvr>
-                                      <p:to>
-                                        <p:strVal val="visible"/>
-                                      </p:to>
-                                    </p:set>
-                                  </p:childTnLst>
-                                </p:cTn>
-                              </p:par>
-                              <p:par>
-                                <p:cTn id="13" presetID="1" presetClass="entr" presetSubtype="0" fill="hold" grpId="0" nodeType="withEffect">
-                                  <p:stCondLst>
-                                    <p:cond delay="0"/>
-                                  </p:stCondLst>
-                                  <p:childTnLst>
-                                    <p:set>
-                                      <p:cBhvr>
-                                        <p:cTn id="14" dur="1" fill="hold">
-                                          <p:stCondLst>
-                                            <p:cond delay="0"/>
-                                          </p:stCondLst>
-                                        </p:cTn>
-                                        <p:tgtEl>
-                                          <p:spTgt spid="3">
-                                            <p:txEl>
-                                              <p:pRg st="4" end="4"/>
-                                            </p:txEl>
-                                          </p:spTgt>
-                                        </p:tgtEl>
-                                        <p:attrNameLst>
-                                          <p:attrName>style.visibility</p:attrName>
-                                        </p:attrNameLst>
-                                      </p:cBhvr>
-                                      <p:to>
-                                        <p:strVal val="visible"/>
-                                      </p:to>
-                                    </p:set>
-                                  </p:childTnLst>
-                                </p:cTn>
-                              </p:par>
-                              <p:par>
-                                <p:cTn id="15" presetID="1" presetClass="entr" presetSubtype="0" fill="hold" grpId="0" nodeType="withEffect">
-                                  <p:stCondLst>
-                                    <p:cond delay="0"/>
-                                  </p:stCondLst>
-                                  <p:childTnLst>
-                                    <p:set>
-                                      <p:cBhvr>
-                                        <p:cTn id="16" dur="1" fill="hold">
-                                          <p:stCondLst>
-                                            <p:cond delay="0"/>
-                                          </p:stCondLst>
-                                        </p:cTn>
-                                        <p:tgtEl>
-                                          <p:spTgt spid="3">
-                                            <p:txEl>
-                                              <p:pRg st="5" end="5"/>
-                                            </p:txEl>
-                                          </p:spTgt>
-                                        </p:tgtEl>
-                                        <p:attrNameLst>
-                                          <p:attrName>style.visibility</p:attrName>
-                                        </p:attrNameLst>
-                                      </p:cBhvr>
-                                      <p:to>
-                                        <p:strVal val="visible"/>
-                                      </p:to>
-                                    </p:set>
-                                  </p:childTnLst>
-                                </p:cTn>
-                              </p:par>
-                              <p:par>
-                                <p:cTn id="17" presetID="1" presetClass="entr" presetSubtype="0" fill="hold" grpId="0" nodeType="withEffect">
-                                  <p:stCondLst>
-                                    <p:cond delay="0"/>
-                                  </p:stCondLst>
-                                  <p:childTnLst>
-                                    <p:set>
-                                      <p:cBhvr>
-                                        <p:cTn id="18" dur="1" fill="hold">
-                                          <p:stCondLst>
-                                            <p:cond delay="0"/>
-                                          </p:stCondLst>
-                                        </p:cTn>
-                                        <p:tgtEl>
-                                          <p:spTgt spid="3">
-                                            <p:txEl>
-                                              <p:pRg st="6" end="6"/>
-                                            </p:txEl>
-                                          </p:spTgt>
-                                        </p:tgtEl>
-                                        <p:attrNameLst>
-                                          <p:attrName>style.visibility</p:attrName>
-                                        </p:attrNameLst>
-                                      </p:cBhvr>
-                                      <p:to>
-                                        <p:strVal val="visible"/>
-                                      </p:to>
-                                    </p:set>
-                                  </p:childTnLst>
-                                </p:cTn>
-                              </p:par>
-                            </p:childTnLst>
-                          </p:cTn>
-                        </p:par>
-                        <p:par>
-                          <p:cTn id="19" fill="hold">
-                            <p:stCondLst>
-                              <p:cond delay="0"/>
-                            </p:stCondLst>
-                            <p:childTnLst>
-                              <p:par>
-                                <p:cTn id="20" presetID="1" presetClass="entr" presetSubtype="0" fill="hold" grpId="0" nodeType="afterEffect">
-                                  <p:stCondLst>
-                                    <p:cond delay="0"/>
-                                  </p:stCondLst>
-                                  <p:childTnLst>
-                                    <p:set>
-                                      <p:cBhvr>
-                                        <p:cTn id="21" dur="1" fill="hold">
-                                          <p:stCondLst>
-                                            <p:cond delay="0"/>
-                                          </p:stCondLst>
-                                        </p:cTn>
-                                        <p:tgtEl>
-                                          <p:spTgt spid="3">
-                                            <p:txEl>
-                                              <p:pRg st="7" end="7"/>
-                                            </p:txEl>
-                                          </p:spTgt>
-                                        </p:tgtEl>
-                                        <p:attrNameLst>
-                                          <p:attrName>style.visibility</p:attrName>
-                                        </p:attrNameLst>
-                                      </p:cBhvr>
-                                      <p:to>
-                                        <p:strVal val="visible"/>
-                                      </p:to>
-                                    </p:set>
-                                  </p:childTnLst>
-                                </p:cTn>
-                              </p:par>
-                            </p:childTnLst>
-                          </p:cTn>
-                        </p:par>
-                      </p:childTnLst>
-                    </p:cTn>
-                  </p:par>
-                </p:childTnLst>
-              </p:cTn>
-              <p:prevCondLst>
-                <p:cond evt="onPrev" delay="0">
-                  <p:tgtEl>
-                    <p:sldTgt/>
-                  </p:tgtEl>
-                </p:cond>
-              </p:prevCondLst>
-              <p:nextCondLst>
-                <p:cond evt="onNext" delay="0">
-                  <p:tgtEl>
-                    <p:sldTgt/>
-                  </p:tgtEl>
-                </p:cond>
-              </p:nextCondLst>
-            </p:seq>
-          </p:childTnLst>
-        </p:cTn>
-      </p:par>
-    </p:tnLst>
-    <p:bldLst>
-      <p:bldP spid="3" grpId="0" uiExpand="1" build="p"/>
-    </p:bldLst>
-  </p:timing>
 </p:sld>
 </file>
 
